--- a/MetricsWorkshop.pptx
+++ b/MetricsWorkshop.pptx
@@ -8,14 +8,14 @@
     <p:notesMasterId r:id="rId45"/>
   </p:notesMasterIdLst>
   <p:sldIdLst>
-    <p:sldId id="498" r:id="rId5"/>
+    <p:sldId id="979" r:id="rId5"/>
     <p:sldId id="930" r:id="rId6"/>
     <p:sldId id="814" r:id="rId7"/>
     <p:sldId id="895" r:id="rId8"/>
     <p:sldId id="929" r:id="rId9"/>
     <p:sldId id="932" r:id="rId10"/>
     <p:sldId id="931" r:id="rId11"/>
-    <p:sldId id="979" r:id="rId12"/>
+    <p:sldId id="980" r:id="rId12"/>
     <p:sldId id="933" r:id="rId13"/>
     <p:sldId id="914" r:id="rId14"/>
     <p:sldId id="921" r:id="rId15"/>
@@ -157,6 +157,15 @@
 </p:cmAuthorLst>
 </file>
 
+<file path=ppt/comments/comment1.xml><?xml version="1.0" encoding="utf-8"?>
+<p:cmLst xmlns:a="http://schemas.openxmlformats.org/drawingml/2006/main" xmlns:r="http://schemas.openxmlformats.org/officeDocument/2006/relationships" xmlns:p="http://schemas.openxmlformats.org/presentationml/2006/main">
+  <p:cm authorId="0" dt="2015-10-02T16:05:04.549" idx="11">
+    <p:pos x="4572" y="287"/>
+    <p:text>時間配分は妥当か？</p:text>
+  </p:cm>
+</p:cmLst>
+</file>
+
 <file path=ppt/notesMasters/notesMaster1.xml><?xml version="1.0" encoding="utf-8"?>
 <p:notesMaster xmlns:a="http://schemas.openxmlformats.org/drawingml/2006/main" xmlns:r="http://schemas.openxmlformats.org/officeDocument/2006/relationships" xmlns:p="http://schemas.openxmlformats.org/presentationml/2006/main">
   <p:cSld>
@@ -239,7 +248,7 @@
           <a:p>
             <a:fld id="{94AE22AB-730F-4C4B-A6E7-89E97B93078F}" type="datetimeFigureOut">
               <a:rPr kumimoji="1" lang="ja-JP" altLang="en-US" smtClean="0"/>
-              <a:t>18/02/12</a:t>
+              <a:t>18/02/21</a:t>
             </a:fld>
             <a:endParaRPr kumimoji="1" lang="ja-JP" altLang="en-US" dirty="0"/>
           </a:p>
@@ -3660,7 +3669,7 @@
             <a:fld id="{6B8FEEA6-8109-49C3-9E5B-E102B12D7F37}" type="datetime1">
               <a:rPr lang="ja-JP" altLang="en-US" smtClean="0"/>
               <a:pPr/>
-              <a:t>18/02/12</a:t>
+              <a:t>18/02/21</a:t>
             </a:fld>
             <a:endParaRPr lang="ja-JP" altLang="en-US"/>
           </a:p>
@@ -3709,7 +3718,7 @@
     </p:spTree>
     <p:extLst>
       <p:ext uri="{BB962C8B-B14F-4D97-AF65-F5344CB8AC3E}">
-        <p14:creationId xmlns:p14="http://schemas.microsoft.com/office/powerpoint/2010/main" val="3726526141"/>
+        <p14:creationId xmlns:p14="http://schemas.microsoft.com/office/powerpoint/2010/main" val="3533845316"/>
       </p:ext>
     </p:extLst>
   </p:cSld>
@@ -4094,18 +4103,7 @@
                 <a:ea typeface="ヒラギノ角ゴ Pro W6"/>
                 <a:cs typeface="ヒラギノ角ゴ Pro W6"/>
               </a:rPr>
-              <a:t>「見える化」の</a:t>
-            </a:r>
-            <a:r>
-              <a:rPr lang="ja-JP" altLang="en-US" sz="6600" b="1" dirty="0" smtClean="0">
-                <a:solidFill>
-                  <a:srgbClr val="44C404"/>
-                </a:solidFill>
-                <a:latin typeface="ヒラギノ角ゴ Pro W6"/>
-                <a:ea typeface="ヒラギノ角ゴ Pro W6"/>
-                <a:cs typeface="ヒラギノ角ゴ Pro W6"/>
-              </a:rPr>
-              <a:t>ススメ</a:t>
+              <a:t>「見える化」のススメ</a:t>
             </a:r>
             <a:endParaRPr lang="en-US" altLang="ja-JP" sz="6600" b="1" dirty="0">
               <a:solidFill>
@@ -4127,10 +4125,10 @@
                 <a:ea typeface="ヒラギノ角ゴ Pro W6"/>
                 <a:cs typeface="ヒラギノ角ゴ Pro W6"/>
               </a:rPr>
-              <a:t>-</a:t>
-            </a:r>
-            <a:r>
-              <a:rPr lang="en-US" altLang="ja-JP" sz="4800" dirty="0" smtClean="0">
+              <a:t>-No </a:t>
+            </a:r>
+            <a:r>
+              <a:rPr lang="ja-JP" altLang="en-US" sz="4800" dirty="0" smtClean="0">
                 <a:solidFill>
                   <a:srgbClr val="44C404"/>
                 </a:solidFill>
@@ -4138,10 +4136,10 @@
                 <a:ea typeface="ヒラギノ角ゴ Pro W6"/>
                 <a:cs typeface="ヒラギノ角ゴ Pro W6"/>
               </a:rPr>
-              <a:t>No </a:t>
-            </a:r>
-            <a:r>
-              <a:rPr lang="ja-JP" altLang="en-US" sz="4800" dirty="0" smtClean="0">
+              <a:t>見える化、</a:t>
+            </a:r>
+            <a:r>
+              <a:rPr lang="en-US" altLang="ja-JP" sz="4800" dirty="0" smtClean="0">
                 <a:solidFill>
                   <a:srgbClr val="44C404"/>
                 </a:solidFill>
@@ -4149,10 +4147,10 @@
                 <a:ea typeface="ヒラギノ角ゴ Pro W6"/>
                 <a:cs typeface="ヒラギノ角ゴ Pro W6"/>
               </a:rPr>
-              <a:t>見える化、</a:t>
-            </a:r>
-            <a:r>
-              <a:rPr lang="en-US" altLang="ja-JP" sz="4800" dirty="0" smtClean="0">
+              <a:t>No </a:t>
+            </a:r>
+            <a:r>
+              <a:rPr lang="ja-JP" altLang="en-US" sz="4800" dirty="0" smtClean="0">
                 <a:solidFill>
                   <a:srgbClr val="44C404"/>
                 </a:solidFill>
@@ -4160,10 +4158,10 @@
                 <a:ea typeface="ヒラギノ角ゴ Pro W6"/>
                 <a:cs typeface="ヒラギノ角ゴ Pro W6"/>
               </a:rPr>
-              <a:t>No </a:t>
-            </a:r>
-            <a:r>
-              <a:rPr lang="ja-JP" altLang="en-US" sz="4800" dirty="0" smtClean="0">
+              <a:t>改善</a:t>
+            </a:r>
+            <a:r>
+              <a:rPr lang="en-US" altLang="ja-JP" sz="4800" dirty="0" smtClean="0">
                 <a:solidFill>
                   <a:srgbClr val="44C404"/>
                 </a:solidFill>
@@ -4171,27 +4169,8 @@
                 <a:ea typeface="ヒラギノ角ゴ Pro W6"/>
                 <a:cs typeface="ヒラギノ角ゴ Pro W6"/>
               </a:rPr>
-              <a:t>改善</a:t>
-            </a:r>
-            <a:r>
-              <a:rPr lang="en-US" altLang="ja-JP" sz="4800" dirty="0" smtClean="0">
-                <a:solidFill>
-                  <a:srgbClr val="44C404"/>
-                </a:solidFill>
-                <a:latin typeface="ヒラギノ角ゴ Pro W6"/>
-                <a:ea typeface="ヒラギノ角ゴ Pro W6"/>
-                <a:cs typeface="ヒラギノ角ゴ Pro W6"/>
-              </a:rPr>
               <a:t>-</a:t>
             </a:r>
-            <a:endParaRPr lang="en-US" altLang="ja-JP" sz="4800" dirty="0" smtClean="0">
-              <a:solidFill>
-                <a:srgbClr val="44C404"/>
-              </a:solidFill>
-              <a:latin typeface="ヒラギノ角ゴ Pro W6"/>
-              <a:ea typeface="ヒラギノ角ゴ Pro W6"/>
-              <a:cs typeface="ヒラギノ角ゴ Pro W6"/>
-            </a:endParaRPr>
           </a:p>
         </p:txBody>
       </p:sp>
@@ -4222,80 +4201,50 @@
             <a:pPr algn="ctr"/>
             <a:r>
               <a:rPr lang="en-US" altLang="ja-JP" sz="2800" dirty="0" smtClean="0">
+                <a:solidFill>
+                  <a:schemeClr val="bg1">
+                    <a:lumMod val="50000"/>
+                  </a:schemeClr>
+                </a:solidFill>
                 <a:latin typeface="ヒラギノ角ゴ Pro W6"/>
                 <a:ea typeface="ヒラギノ角ゴ Pro W6"/>
                 <a:cs typeface="ヒラギノ角ゴ Pro W6"/>
               </a:rPr>
-              <a:t>201</a:t>
-            </a:r>
-            <a:r>
-              <a:rPr lang="en-US" altLang="ja-JP" sz="2800" dirty="0" smtClean="0">
+              <a:t>2018/02/24</a:t>
+            </a:r>
+          </a:p>
+          <a:p>
+            <a:pPr algn="ctr"/>
+            <a:r>
+              <a:rPr lang="ja-JP" altLang="en-US" sz="2800" dirty="0" smtClean="0">
+                <a:solidFill>
+                  <a:schemeClr val="bg1">
+                    <a:lumMod val="50000"/>
+                  </a:schemeClr>
+                </a:solidFill>
                 <a:latin typeface="ヒラギノ角ゴ Pro W6"/>
                 <a:ea typeface="ヒラギノ角ゴ Pro W6"/>
                 <a:cs typeface="ヒラギノ角ゴ Pro W6"/>
               </a:rPr>
-              <a:t>8</a:t>
-            </a:r>
-            <a:r>
-              <a:rPr lang="en-US" altLang="ja-JP" sz="2800" dirty="0" smtClean="0">
-                <a:latin typeface="ヒラギノ角ゴ Pro W6"/>
-                <a:ea typeface="ヒラギノ角ゴ Pro W6"/>
-                <a:cs typeface="ヒラギノ角ゴ Pro W6"/>
-              </a:rPr>
-              <a:t>/</a:t>
-            </a:r>
-            <a:r>
-              <a:rPr lang="en-US" altLang="ja-JP" sz="2800" dirty="0" smtClean="0">
-                <a:latin typeface="ヒラギノ角ゴ Pro W6"/>
-                <a:ea typeface="ヒラギノ角ゴ Pro W6"/>
-                <a:cs typeface="ヒラギノ角ゴ Pro W6"/>
-              </a:rPr>
-              <a:t>02</a:t>
-            </a:r>
-            <a:r>
-              <a:rPr lang="en-US" altLang="ja-JP" sz="2800" dirty="0" smtClean="0">
-                <a:latin typeface="ヒラギノ角ゴ Pro W6"/>
-                <a:ea typeface="ヒラギノ角ゴ Pro W6"/>
-                <a:cs typeface="ヒラギノ角ゴ Pro W6"/>
-              </a:rPr>
-              <a:t>/2</a:t>
-            </a:r>
-            <a:r>
-              <a:rPr lang="en-US" altLang="ja-JP" sz="2800" dirty="0" smtClean="0">
-                <a:latin typeface="ヒラギノ角ゴ Pro W6"/>
-                <a:ea typeface="ヒラギノ角ゴ Pro W6"/>
-                <a:cs typeface="ヒラギノ角ゴ Pro W6"/>
-              </a:rPr>
-              <a:t>4</a:t>
+              <a:t>伊藤　宏幸</a:t>
             </a:r>
             <a:endParaRPr lang="en-US" altLang="ja-JP" sz="2800" dirty="0" smtClean="0">
+              <a:solidFill>
+                <a:schemeClr val="bg1">
+                  <a:lumMod val="50000"/>
+                </a:schemeClr>
+              </a:solidFill>
               <a:latin typeface="ヒラギノ角ゴ Pro W6"/>
               <a:ea typeface="ヒラギノ角ゴ Pro W6"/>
               <a:cs typeface="ヒラギノ角ゴ Pro W6"/>
             </a:endParaRPr>
           </a:p>
-          <a:p>
-            <a:pPr algn="ctr"/>
-            <a:r>
-              <a:rPr lang="ja-JP" altLang="en-US" sz="2800" dirty="0" smtClean="0">
-                <a:latin typeface="ヒラギノ角ゴ Pro W6"/>
-                <a:ea typeface="ヒラギノ角ゴ Pro W6"/>
-                <a:cs typeface="ヒラギノ角ゴ Pro W6"/>
-              </a:rPr>
-              <a:t>伊藤　宏幸</a:t>
-            </a:r>
-            <a:endParaRPr lang="en-US" altLang="ja-JP" sz="2800" dirty="0" smtClean="0">
-              <a:latin typeface="ヒラギノ角ゴ Pro W6"/>
-              <a:ea typeface="ヒラギノ角ゴ Pro W6"/>
-              <a:cs typeface="ヒラギノ角ゴ Pro W6"/>
-            </a:endParaRPr>
-          </a:p>
         </p:txBody>
       </p:sp>
     </p:spTree>
     <p:extLst>
       <p:ext uri="{BB962C8B-B14F-4D97-AF65-F5344CB8AC3E}">
-        <p14:creationId xmlns:p14="http://schemas.microsoft.com/office/powerpoint/2010/main" val="848672037"/>
+        <p14:creationId xmlns:p14="http://schemas.microsoft.com/office/powerpoint/2010/main" val="1961176207"/>
       </p:ext>
     </p:extLst>
   </p:cSld>
@@ -4344,9 +4293,7 @@
             <a:off x="360000" y="252000"/>
             <a:ext cx="8424000" cy="360000"/>
           </a:xfrm>
-          <a:solidFill>
-            <a:srgbClr val="FF0000"/>
-          </a:solidFill>
+          <a:noFill/>
           <a:ln>
             <a:noFill/>
           </a:ln>
@@ -4358,24 +4305,10 @@
           <a:lstStyle/>
           <a:p>
             <a:r>
-              <a:rPr kumimoji="1" lang="ja-JP" altLang="en-US" b="0" dirty="0" smtClean="0">
-                <a:solidFill>
-                  <a:srgbClr val="44C404"/>
-                </a:solidFill>
-                <a:latin typeface="ヒラギノ角ゴ Pro W6"/>
-                <a:ea typeface="ヒラギノ角ゴ Pro W6"/>
-                <a:cs typeface="ヒラギノ角ゴ Pro W6"/>
-              </a:rPr>
+              <a:rPr kumimoji="1" lang="ja-JP" altLang="en-US" dirty="0" smtClean="0"/>
               <a:t>落ちないバーンダウン</a:t>
             </a:r>
-            <a:endParaRPr kumimoji="1" lang="ja-JP" altLang="en-US" b="0" dirty="0">
-              <a:solidFill>
-                <a:srgbClr val="44C404"/>
-              </a:solidFill>
-              <a:latin typeface="ヒラギノ角ゴ Pro W6"/>
-              <a:ea typeface="ヒラギノ角ゴ Pro W6"/>
-              <a:cs typeface="ヒラギノ角ゴ Pro W6"/>
-            </a:endParaRPr>
+            <a:endParaRPr kumimoji="1" lang="ja-JP" altLang="en-US" dirty="0"/>
           </a:p>
         </p:txBody>
       </p:sp>
@@ -4643,24 +4576,10 @@
           <a:lstStyle/>
           <a:p>
             <a:r>
-              <a:rPr kumimoji="1" lang="ja-JP" altLang="en-US" b="0" dirty="0" smtClean="0">
-                <a:solidFill>
-                  <a:srgbClr val="44C404"/>
-                </a:solidFill>
-                <a:latin typeface="ヒラギノ角ゴ Pro W6"/>
-                <a:ea typeface="ヒラギノ角ゴ Pro W6"/>
-                <a:cs typeface="ヒラギノ角ゴ Pro W6"/>
-              </a:rPr>
+              <a:rPr kumimoji="1" lang="ja-JP" altLang="en-US" dirty="0" smtClean="0"/>
               <a:t>原因？</a:t>
             </a:r>
-            <a:endParaRPr kumimoji="1" lang="ja-JP" altLang="en-US" b="0" dirty="0">
-              <a:solidFill>
-                <a:srgbClr val="44C404"/>
-              </a:solidFill>
-              <a:latin typeface="ヒラギノ角ゴ Pro W6"/>
-              <a:ea typeface="ヒラギノ角ゴ Pro W6"/>
-              <a:cs typeface="ヒラギノ角ゴ Pro W6"/>
-            </a:endParaRPr>
+            <a:endParaRPr kumimoji="1" lang="ja-JP" altLang="en-US" dirty="0"/>
           </a:p>
         </p:txBody>
       </p:sp>
@@ -4990,45 +4909,15 @@
           <a:lstStyle/>
           <a:p>
             <a:r>
-              <a:rPr lang="ja-JP" altLang="en-US" b="0" kern="0" dirty="0" smtClean="0">
-                <a:solidFill>
-                  <a:srgbClr val="44C404"/>
-                </a:solidFill>
-                <a:latin typeface="ヒラギノ角ゴ Pro W6"/>
-                <a:ea typeface="ヒラギノ角ゴ Pro W6"/>
-                <a:cs typeface="ヒラギノ角ゴ Pro W6"/>
-              </a:rPr>
-              <a:t>本日の</a:t>
-            </a:r>
-            <a:r>
-              <a:rPr lang="ja-JP" altLang="en-US" b="0" kern="0" dirty="0" smtClean="0">
-                <a:solidFill>
-                  <a:srgbClr val="44C404"/>
-                </a:solidFill>
-                <a:latin typeface="ヒラギノ角ゴ Pro W6"/>
-                <a:ea typeface="ヒラギノ角ゴ Pro W6"/>
-                <a:cs typeface="ヒラギノ角ゴ Pro W6"/>
-              </a:rPr>
-              <a:t>お題（</a:t>
-            </a:r>
-            <a:r>
-              <a:rPr lang="ja-JP" altLang="en-US" b="0" kern="0" dirty="0" smtClean="0">
-                <a:solidFill>
-                  <a:srgbClr val="44C404"/>
-                </a:solidFill>
-                <a:latin typeface="ヒラギノ角ゴ Pro W6"/>
-                <a:ea typeface="ヒラギノ角ゴ Pro W6"/>
-                <a:cs typeface="ヒラギノ角ゴ Pro W6"/>
-              </a:rPr>
-              <a:t>再掲）</a:t>
-            </a:r>
-            <a:endParaRPr kumimoji="1" lang="ja-JP" altLang="en-US" b="0" dirty="0">
-              <a:solidFill>
-                <a:srgbClr val="44C404"/>
-              </a:solidFill>
-              <a:latin typeface="ヒラギノ角ゴ Pro W6"/>
-              <a:ea typeface="ヒラギノ角ゴ Pro W6"/>
-              <a:cs typeface="ヒラギノ角ゴ Pro W6"/>
+              <a:rPr lang="ja-JP" altLang="en-US" kern="0" dirty="0" smtClean="0">
+                <a:latin typeface="+mj-lt"/>
+                <a:ea typeface="+mj-ea"/>
+              </a:rPr>
+              <a:t>本日のお題　（再掲）</a:t>
+            </a:r>
+            <a:endParaRPr kumimoji="1" lang="ja-JP" altLang="en-US" dirty="0">
+              <a:latin typeface="+mj-lt"/>
+              <a:ea typeface="+mj-ea"/>
             </a:endParaRPr>
           </a:p>
         </p:txBody>
@@ -5382,24 +5271,10 @@
           <a:lstStyle/>
           <a:p>
             <a:r>
-              <a:rPr lang="ja-JP" altLang="en-US" b="0" dirty="0" smtClean="0">
-                <a:solidFill>
-                  <a:srgbClr val="44C404"/>
-                </a:solidFill>
-                <a:latin typeface="ヒラギノ角ゴ Pro W6"/>
-                <a:ea typeface="ヒラギノ角ゴ Pro W6"/>
-                <a:cs typeface="ヒラギノ角ゴ Pro W6"/>
-              </a:rPr>
+              <a:rPr lang="ja-JP" altLang="en-US" dirty="0" smtClean="0"/>
               <a:t>計測初日</a:t>
             </a:r>
-            <a:endParaRPr kumimoji="1" lang="ja-JP" altLang="en-US" b="0" dirty="0">
-              <a:solidFill>
-                <a:srgbClr val="44C404"/>
-              </a:solidFill>
-              <a:latin typeface="ヒラギノ角ゴ Pro W6"/>
-              <a:ea typeface="ヒラギノ角ゴ Pro W6"/>
-              <a:cs typeface="ヒラギノ角ゴ Pro W6"/>
-            </a:endParaRPr>
+            <a:endParaRPr kumimoji="1" lang="ja-JP" altLang="en-US" dirty="0"/>
           </a:p>
         </p:txBody>
       </p:sp>
@@ -5497,24 +5372,10 @@
           <a:lstStyle/>
           <a:p>
             <a:r>
-              <a:rPr lang="ja-JP" altLang="en-US" b="0" dirty="0" smtClean="0">
-                <a:solidFill>
-                  <a:srgbClr val="44C404"/>
-                </a:solidFill>
-                <a:latin typeface="ヒラギノ角ゴ Pro W6"/>
-                <a:ea typeface="ヒラギノ角ゴ Pro W6"/>
-                <a:cs typeface="ヒラギノ角ゴ Pro W6"/>
-              </a:rPr>
+              <a:rPr lang="ja-JP" altLang="en-US" dirty="0" smtClean="0"/>
               <a:t>計測初日</a:t>
             </a:r>
-            <a:endParaRPr kumimoji="1" lang="ja-JP" altLang="en-US" b="0" dirty="0">
-              <a:solidFill>
-                <a:srgbClr val="44C404"/>
-              </a:solidFill>
-              <a:latin typeface="ヒラギノ角ゴ Pro W6"/>
-              <a:ea typeface="ヒラギノ角ゴ Pro W6"/>
-              <a:cs typeface="ヒラギノ角ゴ Pro W6"/>
-            </a:endParaRPr>
+            <a:endParaRPr kumimoji="1" lang="ja-JP" altLang="en-US" dirty="0"/>
           </a:p>
         </p:txBody>
       </p:sp>
@@ -5612,46 +5473,18 @@
           <a:lstStyle/>
           <a:p>
             <a:r>
-              <a:rPr kumimoji="1" lang="ja-JP" altLang="en-US" b="0" dirty="0" smtClean="0">
-                <a:solidFill>
-                  <a:srgbClr val="44C404"/>
-                </a:solidFill>
-                <a:latin typeface="ヒラギノ角ゴ Pro W6"/>
-                <a:ea typeface="ヒラギノ角ゴ Pro W6"/>
-                <a:cs typeface="ヒラギノ角ゴ Pro W6"/>
-              </a:rPr>
+              <a:rPr kumimoji="1" lang="ja-JP" altLang="en-US" dirty="0" smtClean="0"/>
               <a:t>計測</a:t>
             </a:r>
             <a:r>
-              <a:rPr kumimoji="1" lang="en-US" altLang="ja-JP" b="0" dirty="0" smtClean="0">
-                <a:solidFill>
-                  <a:srgbClr val="44C404"/>
-                </a:solidFill>
-                <a:latin typeface="ヒラギノ角ゴ Pro W6"/>
-                <a:ea typeface="ヒラギノ角ゴ Pro W6"/>
-                <a:cs typeface="ヒラギノ角ゴ Pro W6"/>
-              </a:rPr>
+              <a:rPr kumimoji="1" lang="en-US" altLang="ja-JP" dirty="0" smtClean="0"/>
               <a:t>3</a:t>
             </a:r>
             <a:r>
-              <a:rPr kumimoji="1" lang="ja-JP" altLang="en-US" b="0" dirty="0" smtClean="0">
-                <a:solidFill>
-                  <a:srgbClr val="44C404"/>
-                </a:solidFill>
-                <a:latin typeface="ヒラギノ角ゴ Pro W6"/>
-                <a:ea typeface="ヒラギノ角ゴ Pro W6"/>
-                <a:cs typeface="ヒラギノ角ゴ Pro W6"/>
-              </a:rPr>
+              <a:rPr kumimoji="1" lang="ja-JP" altLang="en-US" dirty="0" smtClean="0"/>
               <a:t>日目</a:t>
             </a:r>
-            <a:endParaRPr kumimoji="1" lang="ja-JP" altLang="en-US" b="0" dirty="0">
-              <a:solidFill>
-                <a:srgbClr val="44C404"/>
-              </a:solidFill>
-              <a:latin typeface="ヒラギノ角ゴ Pro W6"/>
-              <a:ea typeface="ヒラギノ角ゴ Pro W6"/>
-              <a:cs typeface="ヒラギノ角ゴ Pro W6"/>
-            </a:endParaRPr>
+            <a:endParaRPr kumimoji="1" lang="ja-JP" altLang="en-US" dirty="0"/>
           </a:p>
         </p:txBody>
       </p:sp>
@@ -5749,46 +5582,18 @@
           <a:lstStyle/>
           <a:p>
             <a:r>
-              <a:rPr kumimoji="1" lang="ja-JP" altLang="en-US" b="0" dirty="0" smtClean="0">
-                <a:solidFill>
-                  <a:srgbClr val="44C404"/>
-                </a:solidFill>
-                <a:latin typeface="ヒラギノ角ゴ Pro W6"/>
-                <a:ea typeface="ヒラギノ角ゴ Pro W6"/>
-                <a:cs typeface="ヒラギノ角ゴ Pro W6"/>
-              </a:rPr>
+              <a:rPr kumimoji="1" lang="ja-JP" altLang="en-US" dirty="0" smtClean="0"/>
               <a:t>計測</a:t>
             </a:r>
             <a:r>
-              <a:rPr kumimoji="1" lang="en-US" altLang="ja-JP" b="0" dirty="0" smtClean="0">
-                <a:solidFill>
-                  <a:srgbClr val="44C404"/>
-                </a:solidFill>
-                <a:latin typeface="ヒラギノ角ゴ Pro W6"/>
-                <a:ea typeface="ヒラギノ角ゴ Pro W6"/>
-                <a:cs typeface="ヒラギノ角ゴ Pro W6"/>
-              </a:rPr>
+              <a:rPr kumimoji="1" lang="en-US" altLang="ja-JP" dirty="0" smtClean="0"/>
               <a:t>3</a:t>
             </a:r>
             <a:r>
-              <a:rPr kumimoji="1" lang="ja-JP" altLang="en-US" b="0" dirty="0" smtClean="0">
-                <a:solidFill>
-                  <a:srgbClr val="44C404"/>
-                </a:solidFill>
-                <a:latin typeface="ヒラギノ角ゴ Pro W6"/>
-                <a:ea typeface="ヒラギノ角ゴ Pro W6"/>
-                <a:cs typeface="ヒラギノ角ゴ Pro W6"/>
-              </a:rPr>
+              <a:rPr kumimoji="1" lang="ja-JP" altLang="en-US" dirty="0" smtClean="0"/>
               <a:t>日目</a:t>
             </a:r>
-            <a:endParaRPr kumimoji="1" lang="ja-JP" altLang="en-US" b="0" dirty="0">
-              <a:solidFill>
-                <a:srgbClr val="44C404"/>
-              </a:solidFill>
-              <a:latin typeface="ヒラギノ角ゴ Pro W6"/>
-              <a:ea typeface="ヒラギノ角ゴ Pro W6"/>
-              <a:cs typeface="ヒラギノ角ゴ Pro W6"/>
-            </a:endParaRPr>
+            <a:endParaRPr kumimoji="1" lang="ja-JP" altLang="en-US" dirty="0"/>
           </a:p>
         </p:txBody>
       </p:sp>
@@ -5886,46 +5691,18 @@
           <a:lstStyle/>
           <a:p>
             <a:r>
-              <a:rPr kumimoji="1" lang="ja-JP" altLang="en-US" b="0" dirty="0" smtClean="0">
-                <a:solidFill>
-                  <a:srgbClr val="44C404"/>
-                </a:solidFill>
-                <a:latin typeface="ヒラギノ角ゴ Pro W6"/>
-                <a:ea typeface="ヒラギノ角ゴ Pro W6"/>
-                <a:cs typeface="ヒラギノ角ゴ Pro W6"/>
-              </a:rPr>
+              <a:rPr kumimoji="1" lang="ja-JP" altLang="en-US" dirty="0" smtClean="0"/>
               <a:t>計測</a:t>
             </a:r>
             <a:r>
-              <a:rPr kumimoji="1" lang="en-US" altLang="ja-JP" b="0" dirty="0" smtClean="0">
-                <a:solidFill>
-                  <a:srgbClr val="44C404"/>
-                </a:solidFill>
-                <a:latin typeface="ヒラギノ角ゴ Pro W6"/>
-                <a:ea typeface="ヒラギノ角ゴ Pro W6"/>
-                <a:cs typeface="ヒラギノ角ゴ Pro W6"/>
-              </a:rPr>
+              <a:rPr kumimoji="1" lang="en-US" altLang="ja-JP" dirty="0" smtClean="0"/>
               <a:t>3</a:t>
             </a:r>
             <a:r>
-              <a:rPr kumimoji="1" lang="ja-JP" altLang="en-US" b="0" dirty="0" smtClean="0">
-                <a:solidFill>
-                  <a:srgbClr val="44C404"/>
-                </a:solidFill>
-                <a:latin typeface="ヒラギノ角ゴ Pro W6"/>
-                <a:ea typeface="ヒラギノ角ゴ Pro W6"/>
-                <a:cs typeface="ヒラギノ角ゴ Pro W6"/>
-              </a:rPr>
+              <a:rPr kumimoji="1" lang="ja-JP" altLang="en-US" dirty="0" smtClean="0"/>
               <a:t>日目</a:t>
             </a:r>
-            <a:endParaRPr kumimoji="1" lang="ja-JP" altLang="en-US" b="0" dirty="0">
-              <a:solidFill>
-                <a:srgbClr val="44C404"/>
-              </a:solidFill>
-              <a:latin typeface="ヒラギノ角ゴ Pro W6"/>
-              <a:ea typeface="ヒラギノ角ゴ Pro W6"/>
-              <a:cs typeface="ヒラギノ角ゴ Pro W6"/>
-            </a:endParaRPr>
+            <a:endParaRPr kumimoji="1" lang="ja-JP" altLang="en-US" dirty="0"/>
           </a:p>
         </p:txBody>
       </p:sp>
@@ -6041,71 +5818,63 @@
             <a:r>
               <a:rPr lang="ja-JP" altLang="en-US" sz="7200" b="0" dirty="0" smtClean="0">
                 <a:solidFill>
-                  <a:schemeClr val="bg1">
-                    <a:lumMod val="50000"/>
-                  </a:schemeClr>
-                </a:solidFill>
-                <a:latin typeface="ヒラギノ角ゴ Pro W6"/>
-                <a:ea typeface="ヒラギノ角ゴ Pro W6"/>
-                <a:cs typeface="ヒラギノ角ゴ Pro W6"/>
+                  <a:schemeClr val="tx1"/>
+                </a:solidFill>
+                <a:latin typeface="+mn-ea"/>
+                <a:ea typeface="+mn-ea"/>
+                <a:cs typeface="ＭＳ 明朝"/>
               </a:rPr>
               <a:t>身の周りで</a:t>
             </a:r>
             <a:endParaRPr lang="en-US" altLang="ja-JP" sz="7200" b="0" dirty="0" smtClean="0">
               <a:solidFill>
-                <a:schemeClr val="bg1">
-                  <a:lumMod val="50000"/>
-                </a:schemeClr>
+                <a:schemeClr val="tx1"/>
               </a:solidFill>
-              <a:latin typeface="ヒラギノ角ゴ Pro W6"/>
-              <a:ea typeface="ヒラギノ角ゴ Pro W6"/>
-              <a:cs typeface="ヒラギノ角ゴ Pro W6"/>
+              <a:latin typeface="+mn-ea"/>
+              <a:ea typeface="+mn-ea"/>
+              <a:cs typeface="ＭＳ 明朝"/>
             </a:endParaRPr>
           </a:p>
           <a:p>
             <a:r>
               <a:rPr lang="ja-JP" altLang="en-US" sz="7200" b="0" dirty="0" smtClean="0">
                 <a:solidFill>
-                  <a:schemeClr val="bg1">
-                    <a:lumMod val="50000"/>
-                  </a:schemeClr>
-                </a:solidFill>
-                <a:latin typeface="ヒラギノ角ゴ Pro W6"/>
-                <a:ea typeface="ヒラギノ角ゴ Pro W6"/>
-                <a:cs typeface="ヒラギノ角ゴ Pro W6"/>
+                  <a:schemeClr val="tx1"/>
+                </a:solidFill>
+                <a:latin typeface="+mn-ea"/>
+                <a:ea typeface="+mn-ea"/>
+                <a:cs typeface="ＭＳ 明朝"/>
               </a:rPr>
               <a:t>こんなこと</a:t>
             </a:r>
             <a:endParaRPr lang="en-US" altLang="ja-JP" sz="7200" b="0" dirty="0" smtClean="0">
               <a:solidFill>
-                <a:schemeClr val="bg1">
-                  <a:lumMod val="50000"/>
-                </a:schemeClr>
+                <a:schemeClr val="tx1"/>
               </a:solidFill>
-              <a:latin typeface="ヒラギノ角ゴ Pro W6"/>
-              <a:ea typeface="ヒラギノ角ゴ Pro W6"/>
-              <a:cs typeface="ヒラギノ角ゴ Pro W6"/>
-            </a:endParaRPr>
-          </a:p>
-          <a:p>
-            <a:r>
-              <a:rPr lang="ja-JP" altLang="en-US" sz="7200" b="0" dirty="0" smtClean="0">
-                <a:solidFill>
-                  <a:srgbClr val="FF0000"/>
-                </a:solidFill>
-                <a:latin typeface="ヒラギノ角ゴ Pro W6"/>
-                <a:ea typeface="ヒラギノ角ゴ Pro W6"/>
-                <a:cs typeface="ヒラギノ角ゴ Pro W6"/>
+              <a:latin typeface="+mn-ea"/>
+              <a:ea typeface="+mn-ea"/>
+              <a:cs typeface="ＭＳ 明朝"/>
+            </a:endParaRPr>
+          </a:p>
+          <a:p>
+            <a:r>
+              <a:rPr lang="ja-JP" altLang="en-US" sz="7200" dirty="0" smtClean="0">
+                <a:solidFill>
+                  <a:srgbClr val="BF0000"/>
+                </a:solidFill>
+                <a:latin typeface="+mn-ea"/>
+                <a:ea typeface="+mn-ea"/>
+                <a:cs typeface="ＭＳ 明朝"/>
               </a:rPr>
               <a:t>ありませんか？</a:t>
             </a:r>
-            <a:endParaRPr lang="en-US" altLang="ja-JP" sz="7200" b="0" dirty="0" smtClean="0">
+            <a:endParaRPr lang="en-US" altLang="ja-JP" sz="7200" dirty="0" smtClean="0">
               <a:solidFill>
-                <a:srgbClr val="FF0000"/>
+                <a:srgbClr val="BF0000"/>
               </a:solidFill>
-              <a:latin typeface="ヒラギノ角ゴ Pro W6"/>
-              <a:ea typeface="ヒラギノ角ゴ Pro W6"/>
-              <a:cs typeface="ヒラギノ角ゴ Pro W6"/>
+              <a:latin typeface="+mn-ea"/>
+              <a:ea typeface="+mn-ea"/>
+              <a:cs typeface="ＭＳ 明朝"/>
             </a:endParaRPr>
           </a:p>
         </p:txBody>
@@ -6137,23 +5906,15 @@
           <a:lstStyle/>
           <a:p>
             <a:r>
-              <a:rPr kumimoji="1" lang="ja-JP" altLang="en-US" b="0" dirty="0" smtClean="0">
-                <a:solidFill>
-                  <a:srgbClr val="44C404"/>
-                </a:solidFill>
-                <a:latin typeface="ヒラギノ角ゴ Pro W6"/>
-                <a:ea typeface="ヒラギノ角ゴ Pro W6"/>
-                <a:cs typeface="ヒラギノ角ゴ Pro W6"/>
+              <a:rPr kumimoji="1" lang="ja-JP" altLang="en-US" dirty="0" smtClean="0">
+                <a:latin typeface="+mn-lt"/>
+                <a:ea typeface="+mj-ea"/>
               </a:rPr>
               <a:t>質問</a:t>
             </a:r>
-            <a:endParaRPr kumimoji="1" lang="ja-JP" altLang="en-US" b="0" dirty="0">
-              <a:solidFill>
-                <a:srgbClr val="44C404"/>
-              </a:solidFill>
-              <a:latin typeface="ヒラギノ角ゴ Pro W6"/>
-              <a:ea typeface="ヒラギノ角ゴ Pro W6"/>
-              <a:cs typeface="ヒラギノ角ゴ Pro W6"/>
+            <a:endParaRPr kumimoji="1" lang="ja-JP" altLang="en-US" dirty="0">
+              <a:latin typeface="+mn-lt"/>
+              <a:ea typeface="+mj-ea"/>
             </a:endParaRPr>
           </a:p>
         </p:txBody>
@@ -6222,46 +5983,18 @@
           <a:lstStyle/>
           <a:p>
             <a:r>
-              <a:rPr kumimoji="1" lang="ja-JP" altLang="en-US" b="0" dirty="0" smtClean="0">
-                <a:solidFill>
-                  <a:srgbClr val="44C404"/>
-                </a:solidFill>
-                <a:latin typeface="ヒラギノ角ゴ Pro W6"/>
-                <a:ea typeface="ヒラギノ角ゴ Pro W6"/>
-                <a:cs typeface="ヒラギノ角ゴ Pro W6"/>
-              </a:rPr>
+              <a:rPr kumimoji="1" lang="ja-JP" altLang="en-US" dirty="0" smtClean="0"/>
               <a:t>計測</a:t>
             </a:r>
             <a:r>
-              <a:rPr kumimoji="1" lang="en-US" altLang="ja-JP" b="0" dirty="0" smtClean="0">
-                <a:solidFill>
-                  <a:srgbClr val="44C404"/>
-                </a:solidFill>
-                <a:latin typeface="ヒラギノ角ゴ Pro W6"/>
-                <a:ea typeface="ヒラギノ角ゴ Pro W6"/>
-                <a:cs typeface="ヒラギノ角ゴ Pro W6"/>
-              </a:rPr>
+              <a:rPr kumimoji="1" lang="en-US" altLang="ja-JP" dirty="0" smtClean="0"/>
               <a:t>3</a:t>
             </a:r>
             <a:r>
-              <a:rPr kumimoji="1" lang="ja-JP" altLang="en-US" b="0" dirty="0" smtClean="0">
-                <a:solidFill>
-                  <a:srgbClr val="44C404"/>
-                </a:solidFill>
-                <a:latin typeface="ヒラギノ角ゴ Pro W6"/>
-                <a:ea typeface="ヒラギノ角ゴ Pro W6"/>
-                <a:cs typeface="ヒラギノ角ゴ Pro W6"/>
-              </a:rPr>
+              <a:rPr kumimoji="1" lang="ja-JP" altLang="en-US" dirty="0" smtClean="0"/>
               <a:t>日目</a:t>
             </a:r>
-            <a:endParaRPr kumimoji="1" lang="ja-JP" altLang="en-US" b="0" dirty="0">
-              <a:solidFill>
-                <a:srgbClr val="44C404"/>
-              </a:solidFill>
-              <a:latin typeface="ヒラギノ角ゴ Pro W6"/>
-              <a:ea typeface="ヒラギノ角ゴ Pro W6"/>
-              <a:cs typeface="ヒラギノ角ゴ Pro W6"/>
-            </a:endParaRPr>
+            <a:endParaRPr kumimoji="1" lang="ja-JP" altLang="en-US" dirty="0"/>
           </a:p>
         </p:txBody>
       </p:sp>
@@ -6681,7 +6414,7 @@
             <a:r>
               <a:rPr lang="ja-JP" altLang="en-US" sz="9600" dirty="0" smtClean="0">
                 <a:solidFill>
-                  <a:srgbClr val="44C404"/>
+                  <a:srgbClr val="BF0000"/>
                 </a:solidFill>
                 <a:latin typeface="+mn-ea"/>
                 <a:ea typeface="+mn-ea"/>
@@ -6691,7 +6424,7 @@
             </a:r>
             <a:endParaRPr lang="en-US" altLang="ja-JP" sz="9600" dirty="0" smtClean="0">
               <a:solidFill>
-                <a:srgbClr val="44C404"/>
+                <a:srgbClr val="BF0000"/>
               </a:solidFill>
               <a:latin typeface="+mn-ea"/>
               <a:ea typeface="+mn-ea"/>
@@ -6702,7 +6435,7 @@
             <a:r>
               <a:rPr lang="ja-JP" altLang="en-US" sz="9600" b="0" dirty="0" smtClean="0">
                 <a:solidFill>
-                  <a:srgbClr val="44C404"/>
+                  <a:srgbClr val="BF0000"/>
                 </a:solidFill>
                 <a:latin typeface="+mn-ea"/>
                 <a:ea typeface="+mn-ea"/>
@@ -6712,7 +6445,7 @@
             </a:r>
             <a:endParaRPr lang="en-US" altLang="ja-JP" sz="9600" b="0" dirty="0" smtClean="0">
               <a:solidFill>
-                <a:srgbClr val="44C404"/>
+                <a:srgbClr val="BF0000"/>
               </a:solidFill>
               <a:latin typeface="+mn-ea"/>
               <a:ea typeface="+mn-ea"/>
@@ -6781,24 +6514,10 @@
           <a:lstStyle/>
           <a:p>
             <a:r>
-              <a:rPr kumimoji="1" lang="ja-JP" altLang="en-US" b="0" dirty="0" smtClean="0">
-                <a:solidFill>
-                  <a:srgbClr val="44C404"/>
-                </a:solidFill>
-                <a:latin typeface="ヒラギノ角ゴ Pro W6"/>
-                <a:ea typeface="ヒラギノ角ゴ Pro W6"/>
-                <a:cs typeface="ヒラギノ角ゴ Pro W6"/>
-              </a:rPr>
+              <a:rPr kumimoji="1" lang="ja-JP" altLang="en-US" dirty="0" smtClean="0"/>
               <a:t>ワークショップの流れ</a:t>
             </a:r>
-            <a:endParaRPr kumimoji="1" lang="ja-JP" altLang="en-US" b="0" dirty="0">
-              <a:solidFill>
-                <a:srgbClr val="44C404"/>
-              </a:solidFill>
-              <a:latin typeface="ヒラギノ角ゴ Pro W6"/>
-              <a:ea typeface="ヒラギノ角ゴ Pro W6"/>
-              <a:cs typeface="ヒラギノ角ゴ Pro W6"/>
-            </a:endParaRPr>
+            <a:endParaRPr kumimoji="1" lang="ja-JP" altLang="en-US" dirty="0"/>
           </a:p>
         </p:txBody>
       </p:sp>
@@ -6819,11 +6538,11 @@
             <a:avLst/>
           </a:prstGeom>
           <a:solidFill>
-            <a:srgbClr val="44C404"/>
+            <a:schemeClr val="accent1"/>
           </a:solidFill>
           <a:ln w="12700">
             <a:solidFill>
-              <a:srgbClr val="44C404"/>
+              <a:srgbClr val="BF0000"/>
             </a:solidFill>
             <a:miter lim="800000"/>
             <a:headEnd/>
@@ -7075,11 +6794,11 @@
             <a:avLst/>
           </a:prstGeom>
           <a:solidFill>
-            <a:srgbClr val="44C404"/>
+            <a:schemeClr val="accent1"/>
           </a:solidFill>
           <a:ln w="12700">
             <a:solidFill>
-              <a:srgbClr val="44C404"/>
+              <a:srgbClr val="BF0000"/>
             </a:solidFill>
             <a:miter lim="800000"/>
             <a:headEnd/>
@@ -7321,11 +7040,11 @@
             <a:avLst/>
           </a:prstGeom>
           <a:solidFill>
-            <a:srgbClr val="44C404"/>
+            <a:schemeClr val="accent1"/>
           </a:solidFill>
           <a:ln w="12700">
             <a:solidFill>
-              <a:srgbClr val="44C404"/>
+              <a:srgbClr val="BF0000"/>
             </a:solidFill>
             <a:miter lim="800000"/>
             <a:headEnd/>
@@ -7560,11 +7279,11 @@
             <a:avLst/>
           </a:prstGeom>
           <a:solidFill>
-            <a:srgbClr val="44C404"/>
+            <a:schemeClr val="accent1"/>
           </a:solidFill>
           <a:ln w="12700">
             <a:solidFill>
-              <a:srgbClr val="44C404"/>
+              <a:srgbClr val="BF0000"/>
             </a:solidFill>
             <a:miter lim="800000"/>
             <a:headEnd/>
@@ -7763,11 +7482,11 @@
             <a:avLst/>
           </a:prstGeom>
           <a:solidFill>
-            <a:srgbClr val="44C404"/>
+            <a:schemeClr val="accent1"/>
           </a:solidFill>
           <a:ln w="12700">
             <a:solidFill>
-              <a:srgbClr val="44C404"/>
+              <a:srgbClr val="BF0000"/>
             </a:solidFill>
             <a:miter lim="800000"/>
             <a:headEnd/>
@@ -8009,11 +7728,11 @@
             <a:avLst/>
           </a:prstGeom>
           <a:solidFill>
-            <a:srgbClr val="44C404"/>
+            <a:schemeClr val="accent1"/>
           </a:solidFill>
           <a:ln w="12700">
             <a:solidFill>
-              <a:srgbClr val="44C404"/>
+              <a:srgbClr val="BF0000"/>
             </a:solidFill>
             <a:miter lim="800000"/>
             <a:headEnd/>
@@ -8304,7 +8023,7 @@
           <a:noFill/>
           <a:ln>
             <a:solidFill>
-              <a:srgbClr val="44C404"/>
+              <a:srgbClr val="BF0000"/>
             </a:solidFill>
           </a:ln>
         </p:spPr>
@@ -8509,11 +8228,11 @@
             <a:ext cx="8424000" cy="360000"/>
           </a:xfrm>
           <a:solidFill>
-            <a:srgbClr val="44C404"/>
+            <a:srgbClr val="BF0000"/>
           </a:solidFill>
           <a:ln>
             <a:solidFill>
-              <a:srgbClr val="44C404"/>
+              <a:srgbClr val="BF0000"/>
             </a:solidFill>
           </a:ln>
         </p:spPr>
@@ -8524,67 +8243,51 @@
           <a:lstStyle/>
           <a:p>
             <a:r>
-              <a:rPr kumimoji="1" lang="en-US" altLang="ja-JP" sz="2500" b="0" dirty="0" smtClean="0">
+              <a:rPr kumimoji="1" lang="en-US" altLang="ja-JP" sz="2500" dirty="0" smtClean="0">
                 <a:solidFill>
                   <a:schemeClr val="bg1"/>
                 </a:solidFill>
-                <a:latin typeface="ヒラギノ角ゴ Pro W6"/>
-                <a:ea typeface="ヒラギノ角ゴ Pro W6"/>
-                <a:cs typeface="ヒラギノ角ゴ Pro W6"/>
+                <a:latin typeface="+mj-lt"/>
+                <a:ea typeface="+mj-ea"/>
               </a:rPr>
               <a:t>Sprint 0: </a:t>
             </a:r>
             <a:r>
-              <a:rPr kumimoji="1" lang="ja-JP" altLang="en-US" sz="2500" b="0" dirty="0" smtClean="0">
+              <a:rPr kumimoji="1" lang="ja-JP" altLang="en-US" sz="2500" dirty="0" smtClean="0">
                 <a:solidFill>
                   <a:schemeClr val="bg1"/>
                 </a:solidFill>
-                <a:latin typeface="ヒラギノ角ゴ Pro W6"/>
-                <a:ea typeface="ヒラギノ角ゴ Pro W6"/>
-                <a:cs typeface="ヒラギノ角ゴ Pro W6"/>
-              </a:rPr>
-              <a:t>チームづくり</a:t>
-            </a:r>
-            <a:r>
-              <a:rPr kumimoji="1" lang="ja-JP" altLang="en-US" sz="2500" b="0" dirty="0" smtClean="0">
-                <a:solidFill>
-                  <a:srgbClr val="FF0000"/>
-                </a:solidFill>
-                <a:latin typeface="ヒラギノ角ゴ Pro W6"/>
-                <a:ea typeface="ヒラギノ角ゴ Pro W6"/>
-                <a:cs typeface="ヒラギノ角ゴ Pro W6"/>
-              </a:rPr>
-              <a:t>（</a:t>
-            </a:r>
-            <a:r>
-              <a:rPr kumimoji="1" lang="en-US" altLang="ja-JP" sz="2500" b="0" dirty="0" smtClean="0">
-                <a:solidFill>
-                  <a:srgbClr val="FF0000"/>
-                </a:solidFill>
-                <a:latin typeface="ヒラギノ角ゴ Pro W6"/>
-                <a:ea typeface="ヒラギノ角ゴ Pro W6"/>
-                <a:cs typeface="ヒラギノ角ゴ Pro W6"/>
+                <a:latin typeface="+mj-lt"/>
+                <a:ea typeface="+mj-ea"/>
+              </a:rPr>
+              <a:t>チームづくり　（</a:t>
+            </a:r>
+            <a:r>
+              <a:rPr kumimoji="1" lang="en-US" altLang="ja-JP" sz="2500" dirty="0" smtClean="0">
+                <a:solidFill>
+                  <a:schemeClr val="bg1"/>
+                </a:solidFill>
+                <a:latin typeface="+mj-lt"/>
+                <a:ea typeface="+mj-ea"/>
               </a:rPr>
               <a:t>5</a:t>
             </a:r>
             <a:r>
-              <a:rPr kumimoji="1" lang="ja-JP" altLang="en-US" sz="2500" b="0" dirty="0" smtClean="0">
-                <a:solidFill>
-                  <a:srgbClr val="FF0000"/>
-                </a:solidFill>
-                <a:latin typeface="ヒラギノ角ゴ Pro W6"/>
-                <a:ea typeface="ヒラギノ角ゴ Pro W6"/>
-                <a:cs typeface="ヒラギノ角ゴ Pro W6"/>
+              <a:rPr kumimoji="1" lang="ja-JP" altLang="en-US" sz="2500" dirty="0" smtClean="0">
+                <a:solidFill>
+                  <a:schemeClr val="bg1"/>
+                </a:solidFill>
+                <a:latin typeface="+mj-lt"/>
+                <a:ea typeface="+mj-ea"/>
               </a:rPr>
               <a:t>分）</a:t>
             </a:r>
-            <a:endParaRPr kumimoji="1" lang="ja-JP" altLang="en-US" sz="2500" b="0" dirty="0">
+            <a:endParaRPr kumimoji="1" lang="ja-JP" altLang="en-US" sz="2500" dirty="0">
               <a:solidFill>
-                <a:srgbClr val="FF0000"/>
+                <a:schemeClr val="bg1"/>
               </a:solidFill>
-              <a:latin typeface="ヒラギノ角ゴ Pro W6"/>
-              <a:ea typeface="ヒラギノ角ゴ Pro W6"/>
-              <a:cs typeface="ヒラギノ角ゴ Pro W6"/>
+              <a:latin typeface="+mj-lt"/>
+              <a:ea typeface="+mj-ea"/>
             </a:endParaRPr>
           </a:p>
         </p:txBody>
@@ -8645,7 +8348,7 @@
           <a:noFill/>
           <a:ln>
             <a:solidFill>
-              <a:srgbClr val="44C404"/>
+              <a:srgbClr val="BF0000"/>
             </a:solidFill>
           </a:ln>
         </p:spPr>
@@ -8852,11 +8555,11 @@
             <a:ext cx="8424000" cy="360000"/>
           </a:xfrm>
           <a:solidFill>
-            <a:srgbClr val="44C404"/>
+            <a:srgbClr val="BF0000"/>
           </a:solidFill>
           <a:ln>
             <a:solidFill>
-              <a:srgbClr val="44C404"/>
+              <a:srgbClr val="BF0000"/>
             </a:solidFill>
           </a:ln>
         </p:spPr>
@@ -8868,89 +8571,71 @@
           <a:p>
             <a:pPr lvl="0"/>
             <a:r>
-              <a:rPr lang="en-US" altLang="ja-JP" sz="2500" b="0" kern="0" dirty="0" smtClean="0">
+              <a:rPr lang="en-US" altLang="ja-JP" sz="2500" kern="0" dirty="0" smtClean="0">
                 <a:solidFill>
                   <a:srgbClr val="FFFFFF"/>
                 </a:solidFill>
-                <a:latin typeface="ヒラギノ角ゴ Pro W6"/>
-                <a:ea typeface="ヒラギノ角ゴ Pro W6"/>
-                <a:cs typeface="ヒラギノ角ゴ Pro W6"/>
+                <a:latin typeface="+mj-lt"/>
+                <a:ea typeface="+mj-ea"/>
               </a:rPr>
               <a:t>Sprint 1: </a:t>
             </a:r>
             <a:r>
-              <a:rPr lang="ja-JP" altLang="en-US" sz="2500" b="0" kern="0" dirty="0" smtClean="0">
+              <a:rPr lang="ja-JP" altLang="en-US" sz="2500" kern="0" dirty="0" smtClean="0">
                 <a:solidFill>
                   <a:srgbClr val="FFFFFF"/>
                 </a:solidFill>
-                <a:latin typeface="ヒラギノ角ゴ Pro W6"/>
-                <a:ea typeface="ヒラギノ角ゴ Pro W6"/>
-                <a:cs typeface="ヒラギノ角ゴ Pro W6"/>
+                <a:latin typeface="+mj-lt"/>
+                <a:ea typeface="+mj-ea"/>
               </a:rPr>
               <a:t>課題</a:t>
             </a:r>
             <a:r>
-              <a:rPr lang="ja-JP" altLang="en-US" sz="2500" b="0" kern="0" dirty="0">
+              <a:rPr lang="ja-JP" altLang="en-US" sz="2500" kern="0" dirty="0">
                 <a:solidFill>
                   <a:srgbClr val="FFFFFF"/>
                 </a:solidFill>
-                <a:latin typeface="ヒラギノ角ゴ Pro W6"/>
-                <a:ea typeface="ヒラギノ角ゴ Pro W6"/>
-                <a:cs typeface="ヒラギノ角ゴ Pro W6"/>
+                <a:latin typeface="+mj-lt"/>
+                <a:ea typeface="+mj-ea"/>
               </a:rPr>
               <a:t>の</a:t>
             </a:r>
             <a:r>
-              <a:rPr lang="ja-JP" altLang="en-US" sz="2500" b="0" kern="0" dirty="0" smtClean="0">
+              <a:rPr lang="ja-JP" altLang="en-US" sz="2500" kern="0" dirty="0" smtClean="0">
                 <a:solidFill>
                   <a:srgbClr val="FFFFFF"/>
                 </a:solidFill>
-                <a:latin typeface="ヒラギノ角ゴ Pro W6"/>
-                <a:ea typeface="ヒラギノ角ゴ Pro W6"/>
-                <a:cs typeface="ヒラギノ角ゴ Pro W6"/>
-              </a:rPr>
-              <a:t>共有</a:t>
-            </a:r>
-            <a:r>
-              <a:rPr lang="ja-JP" altLang="en-US" sz="2500" b="0" kern="0" dirty="0" smtClean="0">
-                <a:solidFill>
-                  <a:srgbClr val="FF0000"/>
-                </a:solidFill>
-                <a:latin typeface="ヒラギノ角ゴ Pro W6"/>
-                <a:ea typeface="ヒラギノ角ゴ Pro W6"/>
-                <a:cs typeface="ヒラギノ角ゴ Pro W6"/>
-              </a:rPr>
-              <a:t>（</a:t>
-            </a:r>
-            <a:r>
-              <a:rPr lang="en-US" altLang="ja-JP" sz="2500" b="0" kern="0" dirty="0" smtClean="0">
-                <a:solidFill>
-                  <a:srgbClr val="FF0000"/>
-                </a:solidFill>
-                <a:latin typeface="ヒラギノ角ゴ Pro W6"/>
-                <a:ea typeface="ヒラギノ角ゴ Pro W6"/>
-                <a:cs typeface="ヒラギノ角ゴ Pro W6"/>
+                <a:latin typeface="+mj-lt"/>
+                <a:ea typeface="+mj-ea"/>
+              </a:rPr>
+              <a:t>共有　（</a:t>
+            </a:r>
+            <a:r>
+              <a:rPr lang="en-US" altLang="ja-JP" sz="2500" kern="0" dirty="0" smtClean="0">
+                <a:solidFill>
+                  <a:srgbClr val="FFFFFF"/>
+                </a:solidFill>
+                <a:latin typeface="+mj-lt"/>
+                <a:ea typeface="+mj-ea"/>
               </a:rPr>
               <a:t>15</a:t>
             </a:r>
             <a:r>
-              <a:rPr lang="ja-JP" altLang="en-US" sz="2500" b="0" kern="0" dirty="0" smtClean="0">
-                <a:solidFill>
-                  <a:srgbClr val="FF0000"/>
-                </a:solidFill>
-                <a:latin typeface="ヒラギノ角ゴ Pro W6"/>
-                <a:ea typeface="ヒラギノ角ゴ Pro W6"/>
-                <a:cs typeface="ヒラギノ角ゴ Pro W6"/>
+              <a:rPr lang="ja-JP" altLang="en-US" sz="2500" kern="0" dirty="0" smtClean="0">
+                <a:solidFill>
+                  <a:srgbClr val="FFFFFF"/>
+                </a:solidFill>
+                <a:latin typeface="+mj-lt"/>
+                <a:ea typeface="+mj-ea"/>
               </a:rPr>
               <a:t>分）</a:t>
             </a:r>
-            <a:endParaRPr kumimoji="1" lang="ja-JP" altLang="en-US" sz="2500" b="0" dirty="0">
+            <a:endParaRPr kumimoji="1" lang="ja-JP" altLang="en-US" sz="2500" dirty="0">
               <a:solidFill>
-                <a:srgbClr val="FF0000"/>
+                <a:schemeClr val="bg1"/>
               </a:solidFill>
-              <a:latin typeface="ヒラギノ角ゴ Pro W6"/>
-              <a:ea typeface="ヒラギノ角ゴ Pro W6"/>
-              <a:cs typeface="ヒラギノ角ゴ Pro W6"/>
+              <a:latin typeface="+mj-lt"/>
+              <a:ea typeface="+mj-ea"/>
             </a:endParaRPr>
           </a:p>
         </p:txBody>
@@ -9011,7 +8696,7 @@
           <a:noFill/>
           <a:ln>
             <a:solidFill>
-              <a:srgbClr val="44C404"/>
+              <a:srgbClr val="BF0000"/>
             </a:solidFill>
           </a:ln>
         </p:spPr>
@@ -9283,11 +8968,11 @@
             <a:ext cx="8424000" cy="360000"/>
           </a:xfrm>
           <a:solidFill>
-            <a:srgbClr val="44C404"/>
+            <a:srgbClr val="BF0000"/>
           </a:solidFill>
           <a:ln>
             <a:solidFill>
-              <a:srgbClr val="44C404"/>
+              <a:srgbClr val="BF0000"/>
             </a:solidFill>
           </a:ln>
         </p:spPr>
@@ -9298,89 +8983,71 @@
           <a:lstStyle/>
           <a:p>
             <a:r>
-              <a:rPr lang="en-US" altLang="ja-JP" sz="2500" b="0" kern="0" dirty="0" smtClean="0">
+              <a:rPr lang="en-US" altLang="ja-JP" sz="2500" kern="0" dirty="0" smtClean="0">
                 <a:solidFill>
                   <a:srgbClr val="FFFFFF"/>
                 </a:solidFill>
-                <a:latin typeface="ヒラギノ角ゴ Pro W6"/>
-                <a:ea typeface="ヒラギノ角ゴ Pro W6"/>
-                <a:cs typeface="ヒラギノ角ゴ Pro W6"/>
+                <a:latin typeface="+mj-lt"/>
+                <a:ea typeface="+mj-ea"/>
               </a:rPr>
               <a:t>Sprint 2: </a:t>
             </a:r>
             <a:r>
-              <a:rPr lang="ja-JP" altLang="en-US" sz="2500" b="0" kern="0" dirty="0" smtClean="0">
+              <a:rPr lang="ja-JP" altLang="en-US" sz="2500" kern="0" dirty="0" smtClean="0">
                 <a:solidFill>
                   <a:srgbClr val="FFFFFF"/>
                 </a:solidFill>
-                <a:latin typeface="ヒラギノ角ゴ Pro W6"/>
-                <a:ea typeface="ヒラギノ角ゴ Pro W6"/>
-                <a:cs typeface="ヒラギノ角ゴ Pro W6"/>
+                <a:latin typeface="+mj-lt"/>
+                <a:ea typeface="+mj-ea"/>
               </a:rPr>
               <a:t>メトリクス</a:t>
             </a:r>
             <a:r>
-              <a:rPr lang="ja-JP" altLang="en-US" sz="2500" b="0" kern="0" dirty="0">
+              <a:rPr lang="ja-JP" altLang="en-US" sz="2500" kern="0" dirty="0">
                 <a:solidFill>
                   <a:srgbClr val="FFFFFF"/>
                 </a:solidFill>
-                <a:latin typeface="ヒラギノ角ゴ Pro W6"/>
-                <a:ea typeface="ヒラギノ角ゴ Pro W6"/>
-                <a:cs typeface="ヒラギノ角ゴ Pro W6"/>
+                <a:latin typeface="+mj-lt"/>
+                <a:ea typeface="+mj-ea"/>
               </a:rPr>
               <a:t>案の</a:t>
             </a:r>
             <a:r>
-              <a:rPr lang="ja-JP" altLang="en-US" sz="2500" b="0" kern="0" dirty="0" smtClean="0">
+              <a:rPr lang="ja-JP" altLang="en-US" sz="2500" kern="0" dirty="0" smtClean="0">
                 <a:solidFill>
                   <a:srgbClr val="FFFFFF"/>
                 </a:solidFill>
-                <a:latin typeface="ヒラギノ角ゴ Pro W6"/>
-                <a:ea typeface="ヒラギノ角ゴ Pro W6"/>
-                <a:cs typeface="ヒラギノ角ゴ Pro W6"/>
-              </a:rPr>
-              <a:t>検討</a:t>
-            </a:r>
-            <a:r>
-              <a:rPr lang="ja-JP" altLang="en-US" sz="2500" b="0" kern="0" dirty="0" smtClean="0">
-                <a:solidFill>
-                  <a:srgbClr val="FF0000"/>
-                </a:solidFill>
-                <a:latin typeface="ヒラギノ角ゴ Pro W6"/>
-                <a:ea typeface="ヒラギノ角ゴ Pro W6"/>
-                <a:cs typeface="ヒラギノ角ゴ Pro W6"/>
-              </a:rPr>
-              <a:t>（</a:t>
-            </a:r>
-            <a:r>
-              <a:rPr lang="en-US" altLang="ja-JP" sz="2500" b="0" kern="0" dirty="0" smtClean="0">
-                <a:solidFill>
-                  <a:srgbClr val="FF0000"/>
-                </a:solidFill>
-                <a:latin typeface="ヒラギノ角ゴ Pro W6"/>
-                <a:ea typeface="ヒラギノ角ゴ Pro W6"/>
-                <a:cs typeface="ヒラギノ角ゴ Pro W6"/>
+                <a:latin typeface="+mj-lt"/>
+                <a:ea typeface="+mj-ea"/>
+              </a:rPr>
+              <a:t>検討　（</a:t>
+            </a:r>
+            <a:r>
+              <a:rPr lang="en-US" altLang="ja-JP" sz="2500" kern="0" dirty="0" smtClean="0">
+                <a:solidFill>
+                  <a:srgbClr val="FFFFFF"/>
+                </a:solidFill>
+                <a:latin typeface="+mj-lt"/>
+                <a:ea typeface="+mj-ea"/>
               </a:rPr>
               <a:t>15</a:t>
             </a:r>
             <a:r>
-              <a:rPr lang="ja-JP" altLang="en-US" sz="2500" b="0" kern="0" dirty="0" smtClean="0">
-                <a:solidFill>
-                  <a:srgbClr val="FF0000"/>
-                </a:solidFill>
-                <a:latin typeface="ヒラギノ角ゴ Pro W6"/>
-                <a:ea typeface="ヒラギノ角ゴ Pro W6"/>
-                <a:cs typeface="ヒラギノ角ゴ Pro W6"/>
+              <a:rPr lang="ja-JP" altLang="en-US" sz="2500" kern="0" dirty="0" smtClean="0">
+                <a:solidFill>
+                  <a:srgbClr val="FFFFFF"/>
+                </a:solidFill>
+                <a:latin typeface="+mj-lt"/>
+                <a:ea typeface="+mj-ea"/>
               </a:rPr>
               <a:t>分）</a:t>
             </a:r>
-            <a:endParaRPr kumimoji="1" lang="ja-JP" altLang="en-US" sz="2500" b="0" dirty="0">
+            <a:endParaRPr kumimoji="1" lang="ja-JP" altLang="en-US" sz="2500" dirty="0">
               <a:solidFill>
-                <a:srgbClr val="FF0000"/>
+                <a:schemeClr val="bg1"/>
               </a:solidFill>
-              <a:latin typeface="ヒラギノ角ゴ Pro W6"/>
-              <a:ea typeface="ヒラギノ角ゴ Pro W6"/>
-              <a:cs typeface="ヒラギノ角ゴ Pro W6"/>
+              <a:latin typeface="+mj-lt"/>
+              <a:ea typeface="+mj-ea"/>
             </a:endParaRPr>
           </a:p>
         </p:txBody>
@@ -9441,7 +9108,7 @@
           <a:noFill/>
           <a:ln>
             <a:solidFill>
-              <a:srgbClr val="44C404"/>
+              <a:srgbClr val="BF0000"/>
             </a:solidFill>
           </a:ln>
         </p:spPr>
@@ -9614,23 +9281,13 @@
           <a:lstStyle/>
           <a:p>
             <a:r>
-              <a:rPr kumimoji="1" lang="ja-JP" altLang="en-US" b="0" dirty="0" smtClean="0">
-                <a:solidFill>
-                  <a:srgbClr val="44C404"/>
-                </a:solidFill>
-                <a:latin typeface="ヒラギノ角ゴ Pro W6"/>
-                <a:ea typeface="ヒラギノ角ゴ Pro W6"/>
-                <a:cs typeface="ヒラギノ角ゴ Pro W6"/>
+              <a:rPr kumimoji="1" lang="ja-JP" altLang="en-US" dirty="0" smtClean="0">
+                <a:latin typeface="+mj-lt"/>
               </a:rPr>
               <a:t>ポイント！</a:t>
             </a:r>
-            <a:endParaRPr kumimoji="1" lang="ja-JP" altLang="en-US" b="0" dirty="0">
-              <a:solidFill>
-                <a:srgbClr val="44C404"/>
-              </a:solidFill>
-              <a:latin typeface="ヒラギノ角ゴ Pro W6"/>
-              <a:ea typeface="ヒラギノ角ゴ Pro W6"/>
-              <a:cs typeface="ヒラギノ角ゴ Pro W6"/>
+            <a:endParaRPr kumimoji="1" lang="ja-JP" altLang="en-US" dirty="0">
+              <a:latin typeface="+mj-lt"/>
             </a:endParaRPr>
           </a:p>
         </p:txBody>
@@ -9691,7 +9348,7 @@
           <a:noFill/>
           <a:ln>
             <a:solidFill>
-              <a:srgbClr val="44C404"/>
+              <a:srgbClr val="BF0000"/>
             </a:solidFill>
           </a:ln>
         </p:spPr>
@@ -9719,7 +9376,7 @@
             <a:r>
               <a:rPr lang="ja-JP" altLang="en-US" sz="4800" dirty="0" smtClean="0">
                 <a:solidFill>
-                  <a:srgbClr val="44C404"/>
+                  <a:schemeClr val="tx1"/>
                 </a:solidFill>
                 <a:latin typeface="+mn-ea"/>
                 <a:ea typeface="+mn-ea"/>
@@ -9728,7 +9385,7 @@
             </a:r>
             <a:endParaRPr lang="en-US" altLang="ja-JP" sz="4800" dirty="0">
               <a:solidFill>
-                <a:srgbClr val="44C404"/>
+                <a:schemeClr val="tx1"/>
               </a:solidFill>
               <a:latin typeface="+mn-ea"/>
               <a:ea typeface="+mn-ea"/>
@@ -9850,11 +9507,11 @@
             <a:ext cx="8424000" cy="360000"/>
           </a:xfrm>
           <a:solidFill>
-            <a:srgbClr val="44C404"/>
+            <a:srgbClr val="BF0000"/>
           </a:solidFill>
           <a:ln>
             <a:solidFill>
-              <a:srgbClr val="44C404"/>
+              <a:srgbClr val="BF0000"/>
             </a:solidFill>
           </a:ln>
         </p:spPr>
@@ -9865,89 +9522,71 @@
           <a:lstStyle/>
           <a:p>
             <a:r>
-              <a:rPr lang="en-US" altLang="ja-JP" sz="2500" b="0" kern="0" dirty="0" smtClean="0">
+              <a:rPr lang="en-US" altLang="ja-JP" sz="2500" kern="0" dirty="0" smtClean="0">
                 <a:solidFill>
                   <a:srgbClr val="FFFFFF"/>
                 </a:solidFill>
-                <a:latin typeface="ヒラギノ角ゴ Pro W6"/>
-                <a:ea typeface="ヒラギノ角ゴ Pro W6"/>
-                <a:cs typeface="ヒラギノ角ゴ Pro W6"/>
+                <a:latin typeface="+mj-lt"/>
+                <a:ea typeface="+mj-ea"/>
               </a:rPr>
               <a:t>Sprint 3: </a:t>
             </a:r>
             <a:r>
-              <a:rPr lang="ja-JP" altLang="en-US" sz="2500" b="0" kern="0" dirty="0" smtClean="0">
+              <a:rPr lang="ja-JP" altLang="en-US" sz="2500" kern="0" dirty="0" smtClean="0">
                 <a:solidFill>
                   <a:srgbClr val="FFFFFF"/>
                 </a:solidFill>
-                <a:latin typeface="ヒラギノ角ゴ Pro W6"/>
-                <a:ea typeface="ヒラギノ角ゴ Pro W6"/>
-                <a:cs typeface="ヒラギノ角ゴ Pro W6"/>
-              </a:rPr>
-              <a:t>トレードショー</a:t>
-            </a:r>
-            <a:r>
-              <a:rPr lang="ja-JP" altLang="en-US" sz="2500" b="0" kern="0" dirty="0" smtClean="0">
-                <a:solidFill>
-                  <a:srgbClr val="FF0000"/>
-                </a:solidFill>
-                <a:latin typeface="ヒラギノ角ゴ Pro W6"/>
-                <a:ea typeface="ヒラギノ角ゴ Pro W6"/>
-                <a:cs typeface="ヒラギノ角ゴ Pro W6"/>
-              </a:rPr>
-              <a:t>（</a:t>
-            </a:r>
-            <a:r>
-              <a:rPr lang="en-US" altLang="ja-JP" sz="2500" b="0" kern="0" dirty="0" smtClean="0">
-                <a:solidFill>
-                  <a:srgbClr val="FF0000"/>
-                </a:solidFill>
-                <a:latin typeface="ヒラギノ角ゴ Pro W6"/>
-                <a:ea typeface="ヒラギノ角ゴ Pro W6"/>
-                <a:cs typeface="ヒラギノ角ゴ Pro W6"/>
+                <a:latin typeface="+mj-lt"/>
+                <a:ea typeface="+mj-ea"/>
+              </a:rPr>
+              <a:t>トレードショー　（</a:t>
+            </a:r>
+            <a:r>
+              <a:rPr lang="en-US" altLang="ja-JP" sz="2500" kern="0" dirty="0" smtClean="0">
+                <a:solidFill>
+                  <a:srgbClr val="FFFFFF"/>
+                </a:solidFill>
+                <a:latin typeface="+mj-lt"/>
+                <a:ea typeface="+mj-ea"/>
               </a:rPr>
               <a:t>5</a:t>
             </a:r>
             <a:r>
-              <a:rPr lang="ja-JP" altLang="en-US" sz="2500" b="0" kern="0" dirty="0" smtClean="0">
-                <a:solidFill>
-                  <a:srgbClr val="FF0000"/>
-                </a:solidFill>
-                <a:latin typeface="ヒラギノ角ゴ Pro W6"/>
-                <a:ea typeface="ヒラギノ角ゴ Pro W6"/>
-                <a:cs typeface="ヒラギノ角ゴ Pro W6"/>
+              <a:rPr lang="ja-JP" altLang="en-US" sz="2500" kern="0" dirty="0" smtClean="0">
+                <a:solidFill>
+                  <a:srgbClr val="FFFFFF"/>
+                </a:solidFill>
+                <a:latin typeface="+mj-lt"/>
+                <a:ea typeface="+mj-ea"/>
               </a:rPr>
               <a:t>分</a:t>
             </a:r>
             <a:r>
-              <a:rPr lang="en-US" altLang="ja-JP" sz="2500" b="0" kern="0" dirty="0" smtClean="0">
-                <a:solidFill>
-                  <a:srgbClr val="FF0000"/>
-                </a:solidFill>
-                <a:latin typeface="ヒラギノ角ゴ Pro W6"/>
-                <a:ea typeface="ヒラギノ角ゴ Pro W6"/>
-                <a:cs typeface="ヒラギノ角ゴ Pro W6"/>
+              <a:rPr lang="en-US" altLang="ja-JP" sz="2500" kern="0" dirty="0" smtClean="0">
+                <a:solidFill>
+                  <a:srgbClr val="FFFFFF"/>
+                </a:solidFill>
+                <a:latin typeface="+mj-lt"/>
+                <a:ea typeface="+mj-ea"/>
               </a:rPr>
               <a:t>×2</a:t>
             </a:r>
             <a:r>
-              <a:rPr lang="ja-JP" altLang="en-US" sz="2500" b="0" kern="0" dirty="0" smtClean="0">
-                <a:solidFill>
-                  <a:srgbClr val="FF0000"/>
-                </a:solidFill>
-                <a:latin typeface="ヒラギノ角ゴ Pro W6"/>
-                <a:ea typeface="ヒラギノ角ゴ Pro W6"/>
-                <a:cs typeface="ヒラギノ角ゴ Pro W6"/>
+              <a:rPr lang="ja-JP" altLang="en-US" sz="2500" kern="0" dirty="0" smtClean="0">
+                <a:solidFill>
+                  <a:srgbClr val="FFFFFF"/>
+                </a:solidFill>
+                <a:latin typeface="+mj-lt"/>
+                <a:ea typeface="+mj-ea"/>
               </a:rPr>
               <a:t>回）</a:t>
             </a:r>
-            <a:endParaRPr kumimoji="1" lang="ja-JP" altLang="en-US" sz="2500" b="0" dirty="0">
+            <a:endParaRPr kumimoji="1" lang="ja-JP" altLang="en-US" sz="2500" dirty="0">
               <a:solidFill>
-                <a:srgbClr val="FF0000"/>
+                <a:schemeClr val="bg1"/>
               </a:solidFill>
-              <a:latin typeface="ヒラギノ角ゴ Pro W6"/>
-              <a:ea typeface="ヒラギノ角ゴ Pro W6"/>
-              <a:cs typeface="ヒラギノ角ゴ Pro W6"/>
+              <a:latin typeface="+mj-lt"/>
+              <a:ea typeface="+mj-ea"/>
             </a:endParaRPr>
           </a:p>
         </p:txBody>
@@ -10034,84 +9673,95 @@
             <a:r>
               <a:rPr lang="ja-JP" altLang="en-US" sz="6000" b="0" dirty="0" smtClean="0">
                 <a:solidFill>
-                  <a:srgbClr val="7F7F7F"/>
-                </a:solidFill>
-                <a:latin typeface="ヒラギノ角ゴ Pro W6"/>
-                <a:ea typeface="ヒラギノ角ゴ Pro W6"/>
-                <a:cs typeface="ヒラギノ角ゴ Pro W6"/>
+                  <a:srgbClr val="000000"/>
+                </a:solidFill>
+                <a:latin typeface="+mn-ea"/>
+                <a:ea typeface="+mn-ea"/>
+                <a:cs typeface="ＭＳ 明朝"/>
               </a:rPr>
               <a:t>開発者の進捗報告だと、</a:t>
             </a:r>
             <a:endParaRPr lang="en-US" altLang="ja-JP" sz="6000" b="0" dirty="0" smtClean="0">
               <a:solidFill>
-                <a:srgbClr val="7F7F7F"/>
+                <a:srgbClr val="000000"/>
               </a:solidFill>
-              <a:latin typeface="ヒラギノ角ゴ Pro W6"/>
-              <a:ea typeface="ヒラギノ角ゴ Pro W6"/>
-              <a:cs typeface="ヒラギノ角ゴ Pro W6"/>
+              <a:latin typeface="+mn-ea"/>
+              <a:ea typeface="+mn-ea"/>
+              <a:cs typeface="ＭＳ 明朝"/>
             </a:endParaRPr>
           </a:p>
           <a:p>
             <a:r>
               <a:rPr lang="ja-JP" altLang="en-US" sz="6000" b="0" dirty="0" smtClean="0">
                 <a:solidFill>
-                  <a:srgbClr val="7F7F7F"/>
-                </a:solidFill>
-                <a:latin typeface="ヒラギノ角ゴ Pro W6"/>
-                <a:ea typeface="ヒラギノ角ゴ Pro W6"/>
-                <a:cs typeface="ヒラギノ角ゴ Pro W6"/>
+                  <a:srgbClr val="000000"/>
+                </a:solidFill>
+                <a:latin typeface="+mn-ea"/>
+                <a:ea typeface="+mn-ea"/>
+                <a:cs typeface="ＭＳ 明朝"/>
               </a:rPr>
               <a:t>結局何がどこまで</a:t>
             </a:r>
             <a:endParaRPr lang="en-US" altLang="ja-JP" sz="6000" b="0" dirty="0" smtClean="0">
               <a:solidFill>
-                <a:srgbClr val="7F7F7F"/>
+                <a:srgbClr val="000000"/>
               </a:solidFill>
-              <a:latin typeface="ヒラギノ角ゴ Pro W6"/>
-              <a:ea typeface="ヒラギノ角ゴ Pro W6"/>
-              <a:cs typeface="ヒラギノ角ゴ Pro W6"/>
+              <a:latin typeface="+mn-ea"/>
+              <a:ea typeface="+mn-ea"/>
+              <a:cs typeface="ＭＳ 明朝"/>
             </a:endParaRPr>
           </a:p>
           <a:p>
             <a:r>
               <a:rPr lang="ja-JP" altLang="en-US" sz="6000" b="0" dirty="0" smtClean="0">
                 <a:solidFill>
-                  <a:srgbClr val="7F7F7F"/>
-                </a:solidFill>
-                <a:latin typeface="ヒラギノ角ゴ Pro W6"/>
-                <a:ea typeface="ヒラギノ角ゴ Pro W6"/>
-                <a:cs typeface="ヒラギノ角ゴ Pro W6"/>
+                  <a:srgbClr val="000000"/>
+                </a:solidFill>
+                <a:latin typeface="+mn-ea"/>
+                <a:ea typeface="+mn-ea"/>
+                <a:cs typeface="ＭＳ 明朝"/>
               </a:rPr>
               <a:t>できているのか</a:t>
             </a:r>
             <a:endParaRPr lang="en-US" altLang="ja-JP" sz="6000" b="0" dirty="0" smtClean="0">
               <a:solidFill>
-                <a:srgbClr val="7F7F7F"/>
+                <a:srgbClr val="000000"/>
               </a:solidFill>
-              <a:latin typeface="ヒラギノ角ゴ Pro W6"/>
-              <a:ea typeface="ヒラギノ角ゴ Pro W6"/>
-              <a:cs typeface="ヒラギノ角ゴ Pro W6"/>
-            </a:endParaRPr>
-          </a:p>
-          <a:p>
+              <a:latin typeface="+mn-ea"/>
+              <a:ea typeface="+mn-ea"/>
+              <a:cs typeface="ＭＳ 明朝"/>
+            </a:endParaRPr>
+          </a:p>
+          <a:p>
+            <a:r>
+              <a:rPr lang="ja-JP" altLang="en-US" sz="6000" dirty="0" smtClean="0">
+                <a:solidFill>
+                  <a:srgbClr val="BF0000"/>
+                </a:solidFill>
+                <a:latin typeface="+mn-ea"/>
+                <a:ea typeface="+mn-ea"/>
+                <a:cs typeface="ＭＳ 明朝"/>
+              </a:rPr>
+              <a:t>分からない</a:t>
+            </a:r>
             <a:r>
               <a:rPr lang="ja-JP" altLang="en-US" sz="6000" b="0" dirty="0" smtClean="0">
                 <a:solidFill>
-                  <a:srgbClr val="FF0000"/>
-                </a:solidFill>
-                <a:latin typeface="ヒラギノ角ゴ Pro W6"/>
-                <a:ea typeface="ヒラギノ角ゴ Pro W6"/>
-                <a:cs typeface="ヒラギノ角ゴ Pro W6"/>
-              </a:rPr>
-              <a:t>分からない</a:t>
+                  <a:srgbClr val="000000"/>
+                </a:solidFill>
+                <a:latin typeface="+mn-ea"/>
+                <a:ea typeface="+mn-ea"/>
+                <a:cs typeface="ＭＳ 明朝"/>
+              </a:rPr>
+              <a:t>。</a:t>
             </a:r>
             <a:endParaRPr lang="en-US" altLang="ja-JP" sz="6000" b="0" dirty="0" smtClean="0">
               <a:solidFill>
-                <a:srgbClr val="FF0000"/>
+                <a:srgbClr val="000000"/>
               </a:solidFill>
-              <a:latin typeface="ヒラギノ角ゴ Pro W6"/>
-              <a:ea typeface="ヒラギノ角ゴ Pro W6"/>
-              <a:cs typeface="ヒラギノ角ゴ Pro W6"/>
+              <a:latin typeface="+mn-ea"/>
+              <a:ea typeface="+mn-ea"/>
+              <a:cs typeface="ＭＳ 明朝"/>
             </a:endParaRPr>
           </a:p>
         </p:txBody>
@@ -10143,23 +9793,15 @@
           <a:lstStyle/>
           <a:p>
             <a:r>
-              <a:rPr kumimoji="1" lang="ja-JP" altLang="en-US" b="0" dirty="0" smtClean="0">
-                <a:solidFill>
-                  <a:srgbClr val="44C404"/>
-                </a:solidFill>
-                <a:latin typeface="ヒラギノ角ゴ Pro W6"/>
-                <a:ea typeface="ヒラギノ角ゴ Pro W6"/>
-                <a:cs typeface="ヒラギノ角ゴ Pro W6"/>
+              <a:rPr kumimoji="1" lang="ja-JP" altLang="en-US" dirty="0" smtClean="0">
+                <a:latin typeface="+mn-lt"/>
+                <a:ea typeface="+mj-ea"/>
               </a:rPr>
               <a:t>マネージャとして</a:t>
             </a:r>
-            <a:endParaRPr kumimoji="1" lang="ja-JP" altLang="en-US" b="0" dirty="0">
-              <a:solidFill>
-                <a:srgbClr val="44C404"/>
-              </a:solidFill>
-              <a:latin typeface="ヒラギノ角ゴ Pro W6"/>
-              <a:ea typeface="ヒラギノ角ゴ Pro W6"/>
-              <a:cs typeface="ヒラギノ角ゴ Pro W6"/>
+            <a:endParaRPr kumimoji="1" lang="ja-JP" altLang="en-US" dirty="0">
+              <a:latin typeface="+mn-lt"/>
+              <a:ea typeface="+mj-ea"/>
             </a:endParaRPr>
           </a:p>
         </p:txBody>
@@ -10246,7 +9888,7 @@
             <a:r>
               <a:rPr lang="ja-JP" altLang="en-US" sz="9600" b="0" dirty="0" smtClean="0">
                 <a:solidFill>
-                  <a:srgbClr val="44C404"/>
+                  <a:srgbClr val="BF0000"/>
                 </a:solidFill>
                 <a:latin typeface="+mn-ea"/>
                 <a:ea typeface="+mn-ea"/>
@@ -10256,7 +9898,7 @@
             </a:r>
             <a:endParaRPr lang="en-US" altLang="ja-JP" sz="9600" b="0" dirty="0" smtClean="0">
               <a:solidFill>
-                <a:srgbClr val="44C404"/>
+                <a:srgbClr val="BF0000"/>
               </a:solidFill>
               <a:latin typeface="+mn-ea"/>
               <a:ea typeface="+mn-ea"/>
@@ -10331,78 +9973,28 @@
           <a:lstStyle/>
           <a:p>
             <a:r>
-              <a:rPr lang="ja-JP" altLang="en-US" b="0" dirty="0" smtClean="0">
-                <a:solidFill>
-                  <a:srgbClr val="44C404"/>
-                </a:solidFill>
-                <a:latin typeface="ヒラギノ角ゴ Pro W6"/>
-                <a:ea typeface="ヒラギノ角ゴ Pro W6"/>
-                <a:cs typeface="ヒラギノ角ゴ Pro W6"/>
-              </a:rPr>
-              <a:t>メトリクス例（</a:t>
-            </a:r>
-            <a:r>
-              <a:rPr lang="en-US" altLang="ja-JP" b="0" dirty="0" smtClean="0">
-                <a:solidFill>
-                  <a:srgbClr val="44C404"/>
-                </a:solidFill>
-                <a:latin typeface="ヒラギノ角ゴ Pro W6"/>
-                <a:ea typeface="ヒラギノ角ゴ Pro W6"/>
-                <a:cs typeface="ヒラギノ角ゴ Pro W6"/>
-              </a:rPr>
+              <a:rPr lang="ja-JP" altLang="en-US" dirty="0" smtClean="0"/>
+              <a:t>メトリクス例　（</a:t>
+            </a:r>
+            <a:r>
+              <a:rPr lang="en-US" altLang="ja-JP" dirty="0" smtClean="0"/>
               <a:t>1</a:t>
             </a:r>
             <a:r>
-              <a:rPr lang="ja-JP" altLang="en-US" b="0" dirty="0" smtClean="0">
-                <a:solidFill>
-                  <a:srgbClr val="44C404"/>
-                </a:solidFill>
-                <a:latin typeface="ヒラギノ角ゴ Pro W6"/>
-                <a:ea typeface="ヒラギノ角ゴ Pro W6"/>
-                <a:cs typeface="ヒラギノ角ゴ Pro W6"/>
-              </a:rPr>
+              <a:rPr lang="ja-JP" altLang="en-US" dirty="0" smtClean="0"/>
               <a:t>）</a:t>
             </a:r>
             <a:r>
-              <a:rPr lang="en-US" altLang="ja-JP" b="0" dirty="0" smtClean="0">
-                <a:solidFill>
-                  <a:srgbClr val="44C404"/>
-                </a:solidFill>
-                <a:latin typeface="ヒラギノ角ゴ Pro W6"/>
-                <a:ea typeface="ヒラギノ角ゴ Pro W6"/>
-                <a:cs typeface="ヒラギノ角ゴ Pro W6"/>
-              </a:rPr>
-              <a:t>: F</a:t>
-            </a:r>
-            <a:r>
-              <a:rPr lang="en-US" altLang="ja-JP" b="0" dirty="0" smtClean="0">
-                <a:solidFill>
-                  <a:srgbClr val="44C404"/>
-                </a:solidFill>
-                <a:latin typeface="ヒラギノ角ゴ Pro W6"/>
-                <a:ea typeface="ヒラギノ角ゴ Pro W6"/>
-                <a:cs typeface="ヒラギノ角ゴ Pro W6"/>
-              </a:rPr>
-              <a:t>rom </a:t>
-            </a:r>
-            <a:r>
-              <a:rPr lang="en-US" altLang="ja-JP" b="0" dirty="0" smtClean="0">
-                <a:solidFill>
-                  <a:srgbClr val="44C404"/>
-                </a:solidFill>
-                <a:latin typeface="ヒラギノ角ゴ Pro W6"/>
-                <a:ea typeface="ヒラギノ角ゴ Pro W6"/>
-                <a:cs typeface="ヒラギノ角ゴ Pro W6"/>
-              </a:rPr>
-              <a:t>Agile2014</a:t>
-            </a:r>
-            <a:endParaRPr kumimoji="1" lang="ja-JP" altLang="en-US" b="0" dirty="0">
-              <a:solidFill>
-                <a:srgbClr val="44C404"/>
-              </a:solidFill>
-              <a:latin typeface="ヒラギノ角ゴ Pro W6"/>
-              <a:ea typeface="ヒラギノ角ゴ Pro W6"/>
-              <a:cs typeface="ヒラギノ角ゴ Pro W6"/>
+              <a:rPr lang="ja-JP" altLang="ja-JP" dirty="0"/>
+              <a:t>　</a:t>
+            </a:r>
+            <a:r>
+              <a:rPr lang="en-US" altLang="ja-JP" dirty="0" smtClean="0"/>
+              <a:t>:from Agile2014</a:t>
+            </a:r>
+            <a:endParaRPr kumimoji="1" lang="ja-JP" altLang="en-US" dirty="0">
+              <a:latin typeface="+mn-lt"/>
+              <a:ea typeface="+mj-ea"/>
             </a:endParaRPr>
           </a:p>
         </p:txBody>
@@ -10428,7 +10020,7 @@
           </a:solidFill>
           <a:ln>
             <a:solidFill>
-              <a:srgbClr val="44C404"/>
+              <a:srgbClr val="FF0000"/>
             </a:solidFill>
           </a:ln>
         </p:spPr>
@@ -10533,7 +10125,7 @@
           </a:solidFill>
           <a:ln>
             <a:solidFill>
-              <a:srgbClr val="44C404"/>
+              <a:srgbClr val="FF0000"/>
             </a:solidFill>
           </a:ln>
         </p:spPr>
@@ -10646,7 +10238,7 @@
           </a:solidFill>
           <a:ln>
             <a:solidFill>
-              <a:srgbClr val="44C404"/>
+              <a:srgbClr val="FF0000"/>
             </a:solidFill>
           </a:ln>
         </p:spPr>
@@ -10737,7 +10329,7 @@
           </a:solidFill>
           <a:ln>
             <a:solidFill>
-              <a:srgbClr val="44C404"/>
+              <a:srgbClr val="FF0000"/>
             </a:solidFill>
           </a:ln>
         </p:spPr>
@@ -10893,45 +10485,25 @@
           <a:lstStyle/>
           <a:p>
             <a:r>
-              <a:rPr kumimoji="1" lang="en-US" altLang="ja-JP" b="0" dirty="0" smtClean="0">
-                <a:solidFill>
-                  <a:srgbClr val="44C404"/>
-                </a:solidFill>
-                <a:latin typeface="ヒラギノ角ゴ Pro W6"/>
-                <a:ea typeface="ヒラギノ角ゴ Pro W6"/>
-                <a:cs typeface="ヒラギノ角ゴ Pro W6"/>
+              <a:rPr kumimoji="1" lang="en-US" altLang="ja-JP" dirty="0" smtClean="0">
+                <a:latin typeface="+mj-lt"/>
               </a:rPr>
               <a:t>Cumulative Flow Diagram</a:t>
             </a:r>
             <a:r>
-              <a:rPr lang="en-US" altLang="ja-JP" b="0" dirty="0">
-                <a:solidFill>
-                  <a:srgbClr val="44C404"/>
-                </a:solidFill>
-                <a:latin typeface="ヒラギノ角ゴ Pro W6"/>
-                <a:ea typeface="ヒラギノ角ゴ Pro W6"/>
-                <a:cs typeface="ヒラギノ角ゴ Pro W6"/>
+              <a:rPr lang="en-US" altLang="ja-JP" dirty="0">
+                <a:latin typeface="+mj-lt"/>
               </a:rPr>
               <a:t> </a:t>
             </a:r>
             <a:r>
-              <a:rPr lang="en-US" altLang="ja-JP" b="0" dirty="0" smtClean="0">
-                <a:solidFill>
-                  <a:srgbClr val="44C404"/>
-                </a:solidFill>
-                <a:latin typeface="ヒラギノ角ゴ Pro W6"/>
-                <a:ea typeface="ヒラギノ角ゴ Pro W6"/>
-                <a:cs typeface="ヒラギノ角ゴ Pro W6"/>
+              <a:rPr lang="en-US" altLang="ja-JP" dirty="0" smtClean="0">
+                <a:latin typeface="+mj-lt"/>
               </a:rPr>
               <a:t>(CFD)</a:t>
             </a:r>
-            <a:endParaRPr kumimoji="1" lang="ja-JP" altLang="en-US" b="0" dirty="0">
-              <a:solidFill>
-                <a:srgbClr val="44C404"/>
-              </a:solidFill>
-              <a:latin typeface="ヒラギノ角ゴ Pro W6"/>
-              <a:ea typeface="ヒラギノ角ゴ Pro W6"/>
-              <a:cs typeface="ヒラギノ角ゴ Pro W6"/>
+            <a:endParaRPr kumimoji="1" lang="ja-JP" altLang="en-US" dirty="0">
+              <a:latin typeface="+mj-lt"/>
             </a:endParaRPr>
           </a:p>
         </p:txBody>
@@ -11030,23 +10602,13 @@
           <a:lstStyle/>
           <a:p>
             <a:r>
-              <a:rPr lang="ja-JP" altLang="en-US" b="0" dirty="0" smtClean="0">
-                <a:solidFill>
-                  <a:srgbClr val="44C404"/>
-                </a:solidFill>
-                <a:latin typeface="ヒラギノ角ゴ Pro W6"/>
-                <a:ea typeface="ヒラギノ角ゴ Pro W6"/>
-                <a:cs typeface="ヒラギノ角ゴ Pro W6"/>
+              <a:rPr lang="ja-JP" altLang="en-US" dirty="0" smtClean="0">
+                <a:latin typeface="+mj-lt"/>
               </a:rPr>
               <a:t>見方</a:t>
             </a:r>
-            <a:endParaRPr kumimoji="1" lang="ja-JP" altLang="en-US" b="0" dirty="0">
-              <a:solidFill>
-                <a:srgbClr val="44C404"/>
-              </a:solidFill>
-              <a:latin typeface="ヒラギノ角ゴ Pro W6"/>
-              <a:ea typeface="ヒラギノ角ゴ Pro W6"/>
-              <a:cs typeface="ヒラギノ角ゴ Pro W6"/>
+            <a:endParaRPr kumimoji="1" lang="ja-JP" altLang="en-US" dirty="0">
+              <a:latin typeface="+mj-lt"/>
             </a:endParaRPr>
           </a:p>
         </p:txBody>
@@ -11147,23 +10709,12 @@
           <a:lstStyle/>
           <a:p>
             <a:r>
-              <a:rPr lang="ja-JP" altLang="en-US" b="0" dirty="0" smtClean="0">
-                <a:solidFill>
-                  <a:srgbClr val="44C404"/>
-                </a:solidFill>
-                <a:latin typeface="ヒラギノ角ゴ Pro W6"/>
-                <a:ea typeface="ヒラギノ角ゴ Pro W6"/>
-                <a:cs typeface="ヒラギノ角ゴ Pro W6"/>
-              </a:rPr>
+              <a:rPr lang="ja-JP" altLang="en-US" dirty="0" smtClean="0"/>
               <a:t>メトリクスのポイント</a:t>
             </a:r>
-            <a:endParaRPr kumimoji="1" lang="ja-JP" altLang="en-US" b="0" dirty="0">
-              <a:solidFill>
-                <a:srgbClr val="44C404"/>
-              </a:solidFill>
-              <a:latin typeface="ヒラギノ角ゴ Pro W6"/>
-              <a:ea typeface="ヒラギノ角ゴ Pro W6"/>
-              <a:cs typeface="ヒラギノ角ゴ Pro W6"/>
+            <a:endParaRPr kumimoji="1" lang="ja-JP" altLang="en-US" dirty="0">
+              <a:latin typeface="+mn-lt"/>
+              <a:ea typeface="+mj-ea"/>
             </a:endParaRPr>
           </a:p>
         </p:txBody>
@@ -11189,7 +10740,7 @@
           </a:solidFill>
           <a:ln>
             <a:solidFill>
-              <a:srgbClr val="44C404"/>
+              <a:srgbClr val="FF0000"/>
             </a:solidFill>
           </a:ln>
         </p:spPr>
@@ -11308,7 +10859,7 @@
           </a:solidFill>
           <a:ln>
             <a:solidFill>
-              <a:srgbClr val="44C404"/>
+              <a:srgbClr val="FF0000"/>
             </a:solidFill>
           </a:ln>
         </p:spPr>
@@ -11432,7 +10983,7 @@
           </a:solidFill>
           <a:ln>
             <a:solidFill>
-              <a:srgbClr val="44C404"/>
+              <a:srgbClr val="FF0000"/>
             </a:solidFill>
           </a:ln>
         </p:spPr>
@@ -11523,7 +11074,7 @@
           </a:solidFill>
           <a:ln>
             <a:solidFill>
-              <a:srgbClr val="44C404"/>
+              <a:srgbClr val="FF0000"/>
             </a:solidFill>
           </a:ln>
         </p:spPr>
@@ -11667,7 +11218,7 @@
             <a:r>
               <a:rPr lang="ja-JP" altLang="en-US" sz="9600" b="0" dirty="0" smtClean="0">
                 <a:solidFill>
-                  <a:srgbClr val="44C404"/>
+                  <a:srgbClr val="BF0000"/>
                 </a:solidFill>
                 <a:latin typeface="+mn-ea"/>
                 <a:ea typeface="+mn-ea"/>
@@ -11677,7 +11228,7 @@
             </a:r>
             <a:endParaRPr lang="en-US" altLang="ja-JP" sz="9600" b="0" dirty="0" smtClean="0">
               <a:solidFill>
-                <a:srgbClr val="44C404"/>
+                <a:srgbClr val="BF0000"/>
               </a:solidFill>
               <a:latin typeface="+mn-ea"/>
               <a:ea typeface="+mn-ea"/>
@@ -11688,7 +11239,7 @@
             <a:r>
               <a:rPr lang="ja-JP" altLang="en-US" sz="9600" b="0" dirty="0" smtClean="0">
                 <a:solidFill>
-                  <a:srgbClr val="44C404"/>
+                  <a:srgbClr val="BF0000"/>
                 </a:solidFill>
                 <a:latin typeface="+mn-ea"/>
                 <a:ea typeface="+mn-ea"/>
@@ -11698,7 +11249,7 @@
             </a:r>
             <a:endParaRPr lang="en-US" altLang="ja-JP" sz="9600" b="0" dirty="0" smtClean="0">
               <a:solidFill>
-                <a:srgbClr val="44C404"/>
+                <a:srgbClr val="BF0000"/>
               </a:solidFill>
               <a:latin typeface="+mn-ea"/>
               <a:ea typeface="+mn-ea"/>
@@ -11709,7 +11260,7 @@
             <a:r>
               <a:rPr lang="ja-JP" altLang="en-US" sz="9600" b="0" dirty="0" smtClean="0">
                 <a:solidFill>
-                  <a:srgbClr val="44C404"/>
+                  <a:srgbClr val="BF0000"/>
                 </a:solidFill>
                 <a:latin typeface="+mn-ea"/>
                 <a:ea typeface="+mn-ea"/>
@@ -11719,7 +11270,7 @@
             </a:r>
             <a:endParaRPr lang="en-US" altLang="ja-JP" sz="9600" b="0" dirty="0" smtClean="0">
               <a:solidFill>
-                <a:srgbClr val="44C404"/>
+                <a:srgbClr val="BF0000"/>
               </a:solidFill>
               <a:latin typeface="+mn-ea"/>
               <a:ea typeface="+mn-ea"/>
@@ -11757,23 +11308,12 @@
           <a:lstStyle/>
           <a:p>
             <a:r>
-              <a:rPr lang="ja-JP" altLang="en-US" b="0" dirty="0" smtClean="0">
-                <a:solidFill>
-                  <a:srgbClr val="44C404"/>
-                </a:solidFill>
-                <a:latin typeface="ヒラギノ角ゴ Pro W6"/>
-                <a:ea typeface="ヒラギノ角ゴ Pro W6"/>
-                <a:cs typeface="ヒラギノ角ゴ Pro W6"/>
-              </a:rPr>
+              <a:rPr lang="ja-JP" altLang="en-US" dirty="0" smtClean="0"/>
               <a:t>メトリクスのポイント</a:t>
             </a:r>
-            <a:endParaRPr kumimoji="1" lang="ja-JP" altLang="en-US" b="0" dirty="0">
-              <a:solidFill>
-                <a:srgbClr val="44C404"/>
-              </a:solidFill>
-              <a:latin typeface="ヒラギノ角ゴ Pro W6"/>
-              <a:ea typeface="ヒラギノ角ゴ Pro W6"/>
-              <a:cs typeface="ヒラギノ角ゴ Pro W6"/>
+            <a:endParaRPr kumimoji="1" lang="ja-JP" altLang="en-US" dirty="0">
+              <a:latin typeface="+mn-lt"/>
+              <a:ea typeface="+mj-ea"/>
             </a:endParaRPr>
           </a:p>
         </p:txBody>
@@ -11834,7 +11374,7 @@
           <a:noFill/>
           <a:ln>
             <a:solidFill>
-              <a:srgbClr val="44C404"/>
+              <a:srgbClr val="BF0000"/>
             </a:solidFill>
           </a:ln>
         </p:spPr>
@@ -12055,11 +11595,11 @@
             <a:ext cx="8424000" cy="360000"/>
           </a:xfrm>
           <a:solidFill>
-            <a:srgbClr val="44C404"/>
+            <a:srgbClr val="BF0000"/>
           </a:solidFill>
           <a:ln>
             <a:solidFill>
-              <a:srgbClr val="44C404"/>
+              <a:srgbClr val="BF0000"/>
             </a:solidFill>
           </a:ln>
         </p:spPr>
@@ -12070,78 +11610,68 @@
           <a:lstStyle/>
           <a:p>
             <a:r>
-              <a:rPr lang="en-US" altLang="ja-JP" sz="2500" b="0" kern="0" dirty="0">
+              <a:rPr lang="en-US" altLang="ja-JP" sz="2500" kern="0" dirty="0">
                 <a:solidFill>
                   <a:srgbClr val="FFFFFF"/>
                 </a:solidFill>
-                <a:latin typeface="ヒラギノ角ゴ Pro W6"/>
-                <a:ea typeface="ヒラギノ角ゴ Pro W6"/>
-                <a:cs typeface="ヒラギノ角ゴ Pro W6"/>
+                <a:latin typeface="+mj-lt"/>
               </a:rPr>
               <a:t>Sprint 4: </a:t>
             </a:r>
             <a:r>
-              <a:rPr lang="ja-JP" altLang="en-US" sz="2500" b="0" kern="0" dirty="0">
+              <a:rPr lang="ja-JP" altLang="en-US" sz="2500" kern="0" dirty="0">
                 <a:solidFill>
                   <a:srgbClr val="FFFFFF"/>
                 </a:solidFill>
-                <a:latin typeface="ヒラギノ角ゴ Pro W6"/>
-                <a:ea typeface="ヒラギノ角ゴ Pro W6"/>
-                <a:cs typeface="ヒラギノ角ゴ Pro W6"/>
+                <a:latin typeface="+mj-lt"/>
               </a:rPr>
               <a:t>改善（検査と適応</a:t>
             </a:r>
             <a:r>
-              <a:rPr lang="ja-JP" altLang="en-US" sz="2500" b="0" kern="0" dirty="0" smtClean="0">
+              <a:rPr lang="ja-JP" altLang="en-US" sz="2500" kern="0" dirty="0" smtClean="0">
                 <a:solidFill>
                   <a:srgbClr val="FFFFFF"/>
                 </a:solidFill>
-                <a:latin typeface="ヒラギノ角ゴ Pro W6"/>
-                <a:ea typeface="ヒラギノ角ゴ Pro W6"/>
-                <a:cs typeface="ヒラギノ角ゴ Pro W6"/>
+                <a:latin typeface="+mj-lt"/>
               </a:rPr>
               <a:t>）</a:t>
             </a:r>
             <a:r>
-              <a:rPr lang="ja-JP" altLang="en-US" sz="2500" b="0" kern="0" dirty="0" smtClean="0">
-                <a:solidFill>
-                  <a:srgbClr val="FF0000"/>
-                </a:solidFill>
-                <a:latin typeface="ヒラギノ角ゴ Pro W6"/>
-                <a:ea typeface="ヒラギノ角ゴ Pro W6"/>
-                <a:cs typeface="ヒラギノ角ゴ Pro W6"/>
-              </a:rPr>
-              <a:t>（</a:t>
-            </a:r>
-            <a:r>
-              <a:rPr lang="en-US" altLang="ja-JP" sz="2500" b="0" kern="0" dirty="0" smtClean="0">
-                <a:solidFill>
-                  <a:srgbClr val="FF0000"/>
-                </a:solidFill>
-                <a:latin typeface="ヒラギノ角ゴ Pro W6"/>
-                <a:ea typeface="ヒラギノ角ゴ Pro W6"/>
-                <a:cs typeface="ヒラギノ角ゴ Pro W6"/>
+              <a:rPr lang="ja-JP" altLang="en-US" sz="2500" kern="0" dirty="0" smtClean="0">
+                <a:solidFill>
+                  <a:srgbClr val="FFFFFF"/>
+                </a:solidFill>
+                <a:latin typeface="+mj-lt"/>
+                <a:ea typeface="+mj-ea"/>
+              </a:rPr>
+              <a:t>　（</a:t>
+            </a:r>
+            <a:r>
+              <a:rPr lang="en-US" altLang="ja-JP" sz="2500" kern="0" dirty="0" smtClean="0">
+                <a:solidFill>
+                  <a:srgbClr val="FFFFFF"/>
+                </a:solidFill>
+                <a:latin typeface="+mj-lt"/>
+                <a:ea typeface="+mj-ea"/>
               </a:rPr>
               <a:t>20</a:t>
             </a:r>
             <a:r>
-              <a:rPr lang="ja-JP" altLang="en-US" sz="2500" b="0" kern="0" dirty="0" smtClean="0">
-                <a:solidFill>
-                  <a:srgbClr val="FF0000"/>
-                </a:solidFill>
-                <a:latin typeface="ヒラギノ角ゴ Pro W6"/>
-                <a:ea typeface="ヒラギノ角ゴ Pro W6"/>
-                <a:cs typeface="ヒラギノ角ゴ Pro W6"/>
+              <a:rPr lang="ja-JP" altLang="en-US" sz="2500" kern="0" dirty="0" smtClean="0">
+                <a:solidFill>
+                  <a:srgbClr val="FFFFFF"/>
+                </a:solidFill>
+                <a:latin typeface="+mj-lt"/>
+                <a:ea typeface="+mj-ea"/>
               </a:rPr>
               <a:t>分）</a:t>
             </a:r>
-            <a:endParaRPr kumimoji="1" lang="ja-JP" altLang="en-US" sz="2500" b="0" dirty="0">
+            <a:endParaRPr kumimoji="1" lang="ja-JP" altLang="en-US" sz="2500" dirty="0">
               <a:solidFill>
-                <a:srgbClr val="FF0000"/>
+                <a:schemeClr val="bg1"/>
               </a:solidFill>
-              <a:latin typeface="ヒラギノ角ゴ Pro W6"/>
-              <a:ea typeface="ヒラギノ角ゴ Pro W6"/>
-              <a:cs typeface="ヒラギノ角ゴ Pro W6"/>
+              <a:latin typeface="+mj-lt"/>
+              <a:ea typeface="+mj-ea"/>
             </a:endParaRPr>
           </a:p>
         </p:txBody>
@@ -12202,7 +11732,7 @@
           <a:noFill/>
           <a:ln>
             <a:solidFill>
-              <a:srgbClr val="44C404"/>
+              <a:srgbClr val="BF0000"/>
             </a:solidFill>
           </a:ln>
         </p:spPr>
@@ -12267,11 +11797,11 @@
             <a:ext cx="8424000" cy="360000"/>
           </a:xfrm>
           <a:solidFill>
-            <a:srgbClr val="44C404"/>
+            <a:srgbClr val="BF0000"/>
           </a:solidFill>
           <a:ln>
             <a:solidFill>
-              <a:srgbClr val="44C404"/>
+              <a:srgbClr val="BF0000"/>
             </a:solidFill>
           </a:ln>
         </p:spPr>
@@ -12282,89 +11812,68 @@
           <a:lstStyle/>
           <a:p>
             <a:r>
-              <a:rPr lang="en-US" altLang="ja-JP" sz="2500" b="0" kern="0" dirty="0">
+              <a:rPr lang="en-US" altLang="ja-JP" sz="2500" kern="0" dirty="0">
                 <a:solidFill>
                   <a:srgbClr val="FFFFFF"/>
                 </a:solidFill>
-                <a:latin typeface="ヒラギノ角ゴ Pro W6"/>
-                <a:ea typeface="ヒラギノ角ゴ Pro W6"/>
-                <a:cs typeface="ヒラギノ角ゴ Pro W6"/>
+                <a:latin typeface="+mj-lt"/>
               </a:rPr>
               <a:t>Sprint </a:t>
             </a:r>
             <a:r>
-              <a:rPr lang="en-US" altLang="ja-JP" sz="2500" b="0" kern="0" dirty="0" smtClean="0">
+              <a:rPr lang="en-US" altLang="ja-JP" sz="2500" kern="0" dirty="0" smtClean="0">
                 <a:solidFill>
                   <a:srgbClr val="FFFFFF"/>
                 </a:solidFill>
-                <a:latin typeface="ヒラギノ角ゴ Pro W6"/>
-                <a:ea typeface="ヒラギノ角ゴ Pro W6"/>
-                <a:cs typeface="ヒラギノ角ゴ Pro W6"/>
+                <a:latin typeface="+mj-lt"/>
               </a:rPr>
               <a:t>5: </a:t>
             </a:r>
             <a:r>
-              <a:rPr lang="ja-JP" altLang="en-US" sz="2500" b="0" kern="0" dirty="0" smtClean="0">
+              <a:rPr lang="ja-JP" altLang="en-US" sz="2500" kern="0" dirty="0" smtClean="0">
                 <a:solidFill>
                   <a:srgbClr val="FFFFFF"/>
                 </a:solidFill>
-                <a:latin typeface="ヒラギノ角ゴ Pro W6"/>
-                <a:ea typeface="ヒラギノ角ゴ Pro W6"/>
-                <a:cs typeface="ヒラギノ角ゴ Pro W6"/>
-              </a:rPr>
-              <a:t>はっぴょう</a:t>
-            </a:r>
-            <a:r>
-              <a:rPr lang="ja-JP" altLang="en-US" sz="2500" b="0" kern="0" dirty="0" smtClean="0">
+                <a:latin typeface="+mj-lt"/>
+              </a:rPr>
+              <a:t>はっぴょう！</a:t>
+            </a:r>
+            <a:r>
+              <a:rPr lang="ja-JP" altLang="en-US" sz="2500" kern="0" dirty="0" smtClean="0">
                 <a:solidFill>
                   <a:srgbClr val="FFFFFF"/>
                 </a:solidFill>
-                <a:latin typeface="ヒラギノ角ゴ Pro W6"/>
-                <a:ea typeface="ヒラギノ角ゴ Pro W6"/>
-                <a:cs typeface="ヒラギノ角ゴ Pro W6"/>
-              </a:rPr>
-              <a:t>！</a:t>
-            </a:r>
-            <a:r>
-              <a:rPr lang="ja-JP" altLang="en-US" sz="2500" b="0" kern="0" dirty="0" smtClean="0">
-                <a:solidFill>
-                  <a:srgbClr val="FF0000"/>
-                </a:solidFill>
-                <a:latin typeface="ヒラギノ角ゴ Pro W6"/>
-                <a:ea typeface="ヒラギノ角ゴ Pro W6"/>
-                <a:cs typeface="ヒラギノ角ゴ Pro W6"/>
-              </a:rPr>
-              <a:t>（</a:t>
-            </a:r>
-            <a:r>
-              <a:rPr lang="en-US" altLang="ja-JP" sz="2500" b="0" kern="0" dirty="0" smtClean="0">
-                <a:solidFill>
-                  <a:srgbClr val="FF0000"/>
-                </a:solidFill>
-                <a:latin typeface="ヒラギノ角ゴ Pro W6"/>
-                <a:ea typeface="ヒラギノ角ゴ Pro W6"/>
-                <a:cs typeface="ヒラギノ角ゴ Pro W6"/>
+                <a:latin typeface="+mj-lt"/>
+                <a:ea typeface="+mj-ea"/>
+              </a:rPr>
+              <a:t>　（</a:t>
+            </a:r>
+            <a:r>
+              <a:rPr lang="en-US" altLang="ja-JP" sz="2500" kern="0" dirty="0" smtClean="0">
+                <a:solidFill>
+                  <a:srgbClr val="FFFFFF"/>
+                </a:solidFill>
+                <a:latin typeface="+mj-lt"/>
+                <a:ea typeface="+mj-ea"/>
               </a:rPr>
               <a:t>15</a:t>
             </a:r>
             <a:r>
-              <a:rPr lang="ja-JP" altLang="en-US" sz="2500" b="0" kern="0" dirty="0" smtClean="0">
-                <a:solidFill>
-                  <a:srgbClr val="FF0000"/>
-                </a:solidFill>
-                <a:latin typeface="ヒラギノ角ゴ Pro W6"/>
-                <a:ea typeface="ヒラギノ角ゴ Pro W6"/>
-                <a:cs typeface="ヒラギノ角ゴ Pro W6"/>
+              <a:rPr lang="ja-JP" altLang="en-US" sz="2500" kern="0" dirty="0" smtClean="0">
+                <a:solidFill>
+                  <a:srgbClr val="FFFFFF"/>
+                </a:solidFill>
+                <a:latin typeface="+mj-lt"/>
+                <a:ea typeface="+mj-ea"/>
               </a:rPr>
               <a:t>分）</a:t>
             </a:r>
-            <a:endParaRPr kumimoji="1" lang="ja-JP" altLang="en-US" sz="2500" b="0" dirty="0">
+            <a:endParaRPr kumimoji="1" lang="ja-JP" altLang="en-US" sz="2500" dirty="0">
               <a:solidFill>
-                <a:srgbClr val="FF0000"/>
+                <a:schemeClr val="bg1"/>
               </a:solidFill>
-              <a:latin typeface="ヒラギノ角ゴ Pro W6"/>
-              <a:ea typeface="ヒラギノ角ゴ Pro W6"/>
-              <a:cs typeface="ヒラギノ角ゴ Pro W6"/>
+              <a:latin typeface="+mj-lt"/>
+              <a:ea typeface="+mj-ea"/>
             </a:endParaRPr>
           </a:p>
         </p:txBody>
@@ -12435,45 +11944,20 @@
           <a:lstStyle/>
           <a:p>
             <a:r>
-              <a:rPr lang="ja-JP" altLang="en-US" b="0" dirty="0" smtClean="0">
-                <a:solidFill>
-                  <a:srgbClr val="44C404"/>
-                </a:solidFill>
-                <a:latin typeface="ヒラギノ角ゴ Pro W6"/>
-                <a:ea typeface="ヒラギノ角ゴ Pro W6"/>
-                <a:cs typeface="ヒラギノ角ゴ Pro W6"/>
-              </a:rPr>
-              <a:t>メトリクスの</a:t>
-            </a:r>
-            <a:r>
-              <a:rPr lang="ja-JP" altLang="en-US" b="0" dirty="0" smtClean="0">
-                <a:solidFill>
-                  <a:srgbClr val="44C404"/>
-                </a:solidFill>
-                <a:latin typeface="ヒラギノ角ゴ Pro W6"/>
-                <a:ea typeface="ヒラギノ角ゴ Pro W6"/>
-                <a:cs typeface="ヒラギノ角ゴ Pro W6"/>
-              </a:rPr>
-              <a:t>ポイント（</a:t>
-            </a:r>
-            <a:r>
-              <a:rPr lang="ja-JP" altLang="en-US" b="0" dirty="0" smtClean="0">
-                <a:solidFill>
-                  <a:srgbClr val="44C404"/>
-                </a:solidFill>
-                <a:latin typeface="ヒラギノ角ゴ Pro W6"/>
-                <a:ea typeface="ヒラギノ角ゴ Pro W6"/>
-                <a:cs typeface="ヒラギノ角ゴ Pro W6"/>
-              </a:rPr>
-              <a:t>再掲）</a:t>
-            </a:r>
-            <a:endParaRPr kumimoji="1" lang="ja-JP" altLang="en-US" b="0" dirty="0">
-              <a:solidFill>
-                <a:srgbClr val="44C404"/>
-              </a:solidFill>
-              <a:latin typeface="ヒラギノ角ゴ Pro W6"/>
-              <a:ea typeface="ヒラギノ角ゴ Pro W6"/>
-              <a:cs typeface="ヒラギノ角ゴ Pro W6"/>
+              <a:rPr lang="ja-JP" altLang="en-US" dirty="0" smtClean="0"/>
+              <a:t>メトリクスのポイント</a:t>
+            </a:r>
+            <a:r>
+              <a:rPr lang="ja-JP" altLang="ja-JP" dirty="0"/>
+              <a:t>　</a:t>
+            </a:r>
+            <a:r>
+              <a:rPr lang="ja-JP" altLang="en-US" dirty="0" smtClean="0"/>
+              <a:t>（再掲）</a:t>
+            </a:r>
+            <a:endParaRPr kumimoji="1" lang="ja-JP" altLang="en-US" dirty="0">
+              <a:latin typeface="+mn-lt"/>
+              <a:ea typeface="+mj-ea"/>
             </a:endParaRPr>
           </a:p>
         </p:txBody>
@@ -12499,7 +11983,7 @@
           </a:solidFill>
           <a:ln>
             <a:solidFill>
-              <a:srgbClr val="44C404"/>
+              <a:srgbClr val="BF0000"/>
             </a:solidFill>
           </a:ln>
         </p:spPr>
@@ -12618,7 +12102,7 @@
           </a:solidFill>
           <a:ln>
             <a:solidFill>
-              <a:srgbClr val="44C404"/>
+              <a:srgbClr val="BF0000"/>
             </a:solidFill>
           </a:ln>
         </p:spPr>
@@ -12742,7 +12226,7 @@
           </a:solidFill>
           <a:ln>
             <a:solidFill>
-              <a:srgbClr val="44C404"/>
+              <a:srgbClr val="BF0000"/>
             </a:solidFill>
           </a:ln>
         </p:spPr>
@@ -12833,7 +12317,7 @@
           </a:solidFill>
           <a:ln>
             <a:solidFill>
-              <a:srgbClr val="44C404"/>
+              <a:srgbClr val="BF0000"/>
             </a:solidFill>
           </a:ln>
         </p:spPr>
@@ -12959,78 +12443,28 @@
           <a:lstStyle/>
           <a:p>
             <a:r>
-              <a:rPr lang="ja-JP" altLang="en-US" b="0" dirty="0" smtClean="0">
-                <a:solidFill>
-                  <a:srgbClr val="44C404"/>
-                </a:solidFill>
-                <a:latin typeface="ヒラギノ角ゴ Pro W6"/>
-                <a:ea typeface="ヒラギノ角ゴ Pro W6"/>
-                <a:cs typeface="ヒラギノ角ゴ Pro W6"/>
-              </a:rPr>
-              <a:t>メトリクス例（</a:t>
-            </a:r>
-            <a:r>
-              <a:rPr lang="en-US" altLang="ja-JP" b="0" dirty="0" smtClean="0">
-                <a:solidFill>
-                  <a:srgbClr val="44C404"/>
-                </a:solidFill>
-                <a:latin typeface="ヒラギノ角ゴ Pro W6"/>
-                <a:ea typeface="ヒラギノ角ゴ Pro W6"/>
-                <a:cs typeface="ヒラギノ角ゴ Pro W6"/>
-              </a:rPr>
+              <a:rPr lang="ja-JP" altLang="en-US" dirty="0" smtClean="0"/>
+              <a:t>メトリクス例　（</a:t>
+            </a:r>
+            <a:r>
+              <a:rPr lang="en-US" altLang="ja-JP" dirty="0" smtClean="0"/>
               <a:t>2</a:t>
             </a:r>
             <a:r>
-              <a:rPr lang="ja-JP" altLang="en-US" b="0" dirty="0" smtClean="0">
-                <a:solidFill>
-                  <a:srgbClr val="44C404"/>
-                </a:solidFill>
-                <a:latin typeface="ヒラギノ角ゴ Pro W6"/>
-                <a:ea typeface="ヒラギノ角ゴ Pro W6"/>
-                <a:cs typeface="ヒラギノ角ゴ Pro W6"/>
-              </a:rPr>
-              <a:t>）</a:t>
-            </a:r>
-            <a:r>
-              <a:rPr lang="en-US" altLang="ja-JP" b="0" dirty="0" smtClean="0">
-                <a:solidFill>
-                  <a:srgbClr val="44C404"/>
-                </a:solidFill>
-                <a:latin typeface="ヒラギノ角ゴ Pro W6"/>
-                <a:ea typeface="ヒラギノ角ゴ Pro W6"/>
-                <a:cs typeface="ヒラギノ角ゴ Pro W6"/>
-              </a:rPr>
-              <a:t>: F</a:t>
-            </a:r>
-            <a:r>
-              <a:rPr lang="en-US" altLang="ja-JP" b="0" dirty="0" smtClean="0">
-                <a:solidFill>
-                  <a:srgbClr val="44C404"/>
-                </a:solidFill>
-                <a:latin typeface="ヒラギノ角ゴ Pro W6"/>
-                <a:ea typeface="ヒラギノ角ゴ Pro W6"/>
-                <a:cs typeface="ヒラギノ角ゴ Pro W6"/>
-              </a:rPr>
-              <a:t>rom </a:t>
-            </a:r>
-            <a:r>
-              <a:rPr lang="ja-JP" altLang="en-US" b="0" dirty="0" smtClean="0">
-                <a:solidFill>
-                  <a:srgbClr val="44C404"/>
-                </a:solidFill>
-                <a:latin typeface="ヒラギノ角ゴ Pro W6"/>
-                <a:ea typeface="ヒラギノ角ゴ Pro W6"/>
-                <a:cs typeface="ヒラギノ角ゴ Pro W6"/>
-              </a:rPr>
+              <a:rPr lang="ja-JP" altLang="en-US" dirty="0" smtClean="0"/>
+              <a:t>）　</a:t>
+            </a:r>
+            <a:r>
+              <a:rPr lang="en-US" altLang="ja-JP" dirty="0" smtClean="0"/>
+              <a:t>:from </a:t>
+            </a:r>
+            <a:r>
+              <a:rPr lang="ja-JP" altLang="en-US" dirty="0" smtClean="0"/>
               <a:t>現場</a:t>
             </a:r>
-            <a:endParaRPr kumimoji="1" lang="ja-JP" altLang="en-US" b="0" dirty="0">
-              <a:solidFill>
-                <a:srgbClr val="44C404"/>
-              </a:solidFill>
-              <a:latin typeface="ヒラギノ角ゴ Pro W6"/>
-              <a:ea typeface="ヒラギノ角ゴ Pro W6"/>
-              <a:cs typeface="ヒラギノ角ゴ Pro W6"/>
+            <a:endParaRPr kumimoji="1" lang="ja-JP" altLang="en-US" dirty="0">
+              <a:latin typeface="+mn-lt"/>
+              <a:ea typeface="+mj-ea"/>
             </a:endParaRPr>
           </a:p>
         </p:txBody>
@@ -13056,7 +12490,7 @@
           </a:solidFill>
           <a:ln>
             <a:solidFill>
-              <a:srgbClr val="44C404"/>
+              <a:srgbClr val="BF0000"/>
             </a:solidFill>
           </a:ln>
         </p:spPr>
@@ -13125,7 +12559,7 @@
           </a:solidFill>
           <a:ln>
             <a:solidFill>
-              <a:srgbClr val="44C404"/>
+              <a:srgbClr val="BF0000"/>
             </a:solidFill>
           </a:ln>
         </p:spPr>
@@ -13194,7 +12628,7 @@
           </a:solidFill>
           <a:ln>
             <a:solidFill>
-              <a:srgbClr val="44C404"/>
+              <a:srgbClr val="BF0000"/>
             </a:solidFill>
           </a:ln>
         </p:spPr>
@@ -13274,7 +12708,7 @@
           </a:solidFill>
           <a:ln>
             <a:solidFill>
-              <a:srgbClr val="44C404"/>
+              <a:srgbClr val="BF0000"/>
             </a:solidFill>
           </a:ln>
         </p:spPr>
@@ -13343,7 +12777,7 @@
           </a:solidFill>
           <a:ln>
             <a:solidFill>
-              <a:srgbClr val="44C404"/>
+              <a:srgbClr val="BF0000"/>
             </a:solidFill>
           </a:ln>
         </p:spPr>
@@ -13412,7 +12846,7 @@
           </a:solidFill>
           <a:ln>
             <a:solidFill>
-              <a:srgbClr val="44C404"/>
+              <a:srgbClr val="BF0000"/>
             </a:solidFill>
           </a:ln>
         </p:spPr>
@@ -13481,7 +12915,7 @@
           </a:solidFill>
           <a:ln>
             <a:solidFill>
-              <a:srgbClr val="44C404"/>
+              <a:srgbClr val="BF0000"/>
             </a:solidFill>
           </a:ln>
         </p:spPr>
@@ -13561,7 +12995,7 @@
           </a:solidFill>
           <a:ln>
             <a:solidFill>
-              <a:srgbClr val="44C404"/>
+              <a:srgbClr val="BF0000"/>
             </a:solidFill>
           </a:ln>
         </p:spPr>
@@ -13691,146 +13125,95 @@
             <a:r>
               <a:rPr lang="ja-JP" altLang="en-US" sz="6000" b="0" dirty="0" smtClean="0">
                 <a:solidFill>
-                  <a:schemeClr val="bg1">
-                    <a:lumMod val="50000"/>
-                  </a:schemeClr>
-                </a:solidFill>
-                <a:latin typeface="ヒラギノ角ゴ Pro W6"/>
-                <a:ea typeface="ヒラギノ角ゴ Pro W6"/>
-                <a:cs typeface="ヒラギノ角ゴ Pro W6"/>
+                  <a:srgbClr val="000000"/>
+                </a:solidFill>
+                <a:latin typeface="+mn-ea"/>
+                <a:ea typeface="+mn-ea"/>
+                <a:cs typeface="ＭＳ 明朝"/>
               </a:rPr>
               <a:t>これだけクールな</a:t>
             </a:r>
             <a:endParaRPr lang="en-US" altLang="ja-JP" sz="6000" b="0" dirty="0" smtClean="0">
               <a:solidFill>
-                <a:schemeClr val="bg1">
-                  <a:lumMod val="50000"/>
-                </a:schemeClr>
+                <a:srgbClr val="000000"/>
               </a:solidFill>
-              <a:latin typeface="ヒラギノ角ゴ Pro W6"/>
-              <a:ea typeface="ヒラギノ角ゴ Pro W6"/>
-              <a:cs typeface="ヒラギノ角ゴ Pro W6"/>
+              <a:latin typeface="+mn-ea"/>
+              <a:ea typeface="+mn-ea"/>
+              <a:cs typeface="ＭＳ 明朝"/>
             </a:endParaRPr>
           </a:p>
           <a:p>
             <a:r>
               <a:rPr lang="ja-JP" altLang="en-US" sz="6000" b="0" dirty="0" smtClean="0">
                 <a:solidFill>
-                  <a:schemeClr val="bg1">
-                    <a:lumMod val="50000"/>
-                  </a:schemeClr>
-                </a:solidFill>
-                <a:latin typeface="ヒラギノ角ゴ Pro W6"/>
-                <a:ea typeface="ヒラギノ角ゴ Pro W6"/>
-                <a:cs typeface="ヒラギノ角ゴ Pro W6"/>
-              </a:rPr>
-              <a:t>コードを</a:t>
-            </a:r>
-            <a:r>
-              <a:rPr lang="ja-JP" altLang="en-US" sz="6000" b="0" dirty="0" smtClean="0">
-                <a:solidFill>
-                  <a:schemeClr val="bg1">
-                    <a:lumMod val="50000"/>
-                  </a:schemeClr>
-                </a:solidFill>
-                <a:latin typeface="ヒラギノ角ゴ Pro W6"/>
-                <a:ea typeface="ヒラギノ角ゴ Pro W6"/>
-                <a:cs typeface="ヒラギノ角ゴ Pro W6"/>
-              </a:rPr>
-              <a:t>書いて</a:t>
-            </a:r>
-            <a:r>
-              <a:rPr lang="ja-JP" altLang="en-US" sz="6000" b="0" dirty="0" smtClean="0">
-                <a:solidFill>
-                  <a:schemeClr val="bg1">
-                    <a:lumMod val="50000"/>
-                  </a:schemeClr>
-                </a:solidFill>
-                <a:latin typeface="ヒラギノ角ゴ Pro W6"/>
-                <a:ea typeface="ヒラギノ角ゴ Pro W6"/>
-                <a:cs typeface="ヒラギノ角ゴ Pro W6"/>
-              </a:rPr>
-              <a:t>も</a:t>
-            </a:r>
-            <a:r>
-              <a:rPr lang="ja-JP" altLang="en-US" sz="6000" b="0" dirty="0" smtClean="0">
-                <a:solidFill>
-                  <a:schemeClr val="bg1">
-                    <a:lumMod val="50000"/>
-                  </a:schemeClr>
-                </a:solidFill>
-                <a:latin typeface="ヒラギノ角ゴ Pro W6"/>
-                <a:ea typeface="ヒラギノ角ゴ Pro W6"/>
-                <a:cs typeface="ヒラギノ角ゴ Pro W6"/>
-              </a:rPr>
-              <a:t>、</a:t>
+                  <a:srgbClr val="000000"/>
+                </a:solidFill>
+                <a:latin typeface="+mn-ea"/>
+                <a:ea typeface="+mn-ea"/>
+                <a:cs typeface="ＭＳ 明朝"/>
+              </a:rPr>
+              <a:t>コードを書いているのに、</a:t>
             </a:r>
             <a:endParaRPr lang="en-US" altLang="ja-JP" sz="6000" b="0" dirty="0" smtClean="0">
               <a:solidFill>
-                <a:schemeClr val="bg1">
-                  <a:lumMod val="50000"/>
-                </a:schemeClr>
+                <a:srgbClr val="000000"/>
               </a:solidFill>
-              <a:latin typeface="ヒラギノ角ゴ Pro W6"/>
-              <a:ea typeface="ヒラギノ角ゴ Pro W6"/>
-              <a:cs typeface="ヒラギノ角ゴ Pro W6"/>
+              <a:latin typeface="+mn-ea"/>
+              <a:ea typeface="+mn-ea"/>
+              <a:cs typeface="ＭＳ 明朝"/>
             </a:endParaRPr>
           </a:p>
           <a:p>
             <a:r>
               <a:rPr lang="ja-JP" altLang="en-US" sz="6000" b="0" dirty="0" smtClean="0">
                 <a:solidFill>
-                  <a:schemeClr val="bg1">
-                    <a:lumMod val="50000"/>
-                  </a:schemeClr>
-                </a:solidFill>
-                <a:latin typeface="ヒラギノ角ゴ Pro W6"/>
-                <a:ea typeface="ヒラギノ角ゴ Pro W6"/>
-                <a:cs typeface="ヒラギノ角ゴ Pro W6"/>
+                  <a:srgbClr val="000000"/>
+                </a:solidFill>
+                <a:latin typeface="+mn-ea"/>
+                <a:ea typeface="+mn-ea"/>
+                <a:cs typeface="ＭＳ 明朝"/>
               </a:rPr>
               <a:t>マネージャがキチンと</a:t>
             </a:r>
             <a:endParaRPr lang="en-US" altLang="ja-JP" sz="6000" b="0" dirty="0" smtClean="0">
               <a:solidFill>
-                <a:schemeClr val="bg1">
-                  <a:lumMod val="50000"/>
-                </a:schemeClr>
+                <a:srgbClr val="000000"/>
               </a:solidFill>
-              <a:latin typeface="ヒラギノ角ゴ Pro W6"/>
-              <a:ea typeface="ヒラギノ角ゴ Pro W6"/>
-              <a:cs typeface="ヒラギノ角ゴ Pro W6"/>
-            </a:endParaRPr>
-          </a:p>
-          <a:p>
+              <a:latin typeface="+mn-ea"/>
+              <a:ea typeface="+mn-ea"/>
+              <a:cs typeface="ＭＳ 明朝"/>
+            </a:endParaRPr>
+          </a:p>
+          <a:p>
+            <a:r>
+              <a:rPr lang="ja-JP" altLang="en-US" sz="6000" dirty="0" smtClean="0">
+                <a:solidFill>
+                  <a:srgbClr val="BF0000"/>
+                </a:solidFill>
+                <a:latin typeface="+mn-ea"/>
+                <a:ea typeface="+mn-ea"/>
+                <a:cs typeface="ＭＳ 明朝"/>
+              </a:rPr>
+              <a:t>評価してくれない</a:t>
+            </a:r>
             <a:r>
               <a:rPr lang="ja-JP" altLang="en-US" sz="6000" b="0" dirty="0" smtClean="0">
                 <a:solidFill>
-                  <a:srgbClr val="FF0000"/>
-                </a:solidFill>
-                <a:latin typeface="ヒラギノ角ゴ Pro W6"/>
-                <a:ea typeface="ヒラギノ角ゴ Pro W6"/>
-                <a:cs typeface="ヒラギノ角ゴ Pro W6"/>
-              </a:rPr>
-              <a:t>評価して</a:t>
-            </a:r>
-            <a:r>
-              <a:rPr lang="ja-JP" altLang="en-US" sz="6000" b="0" dirty="0" smtClean="0">
-                <a:solidFill>
-                  <a:srgbClr val="FF0000"/>
-                </a:solidFill>
-                <a:latin typeface="ヒラギノ角ゴ Pro W6"/>
-                <a:ea typeface="ヒラギノ角ゴ Pro W6"/>
-                <a:cs typeface="ヒラギノ角ゴ Pro W6"/>
-              </a:rPr>
-              <a:t>くれない</a:t>
+                  <a:srgbClr val="000000"/>
+                </a:solidFill>
+                <a:latin typeface="+mn-ea"/>
+                <a:ea typeface="+mn-ea"/>
+                <a:cs typeface="ＭＳ 明朝"/>
+              </a:rPr>
+              <a:t>。</a:t>
             </a:r>
             <a:endParaRPr lang="en-US" altLang="ja-JP" sz="6000" b="0" dirty="0" smtClean="0">
               <a:solidFill>
-                <a:srgbClr val="FF0000"/>
+                <a:srgbClr val="000000"/>
               </a:solidFill>
-              <a:latin typeface="ヒラギノ角ゴ Pro W6"/>
-              <a:ea typeface="ヒラギノ角ゴ Pro W6"/>
-              <a:cs typeface="ヒラギノ角ゴ Pro W6"/>
+              <a:latin typeface="+mn-ea"/>
+              <a:ea typeface="+mn-ea"/>
+              <a:cs typeface="ＭＳ 明朝"/>
             </a:endParaRPr>
           </a:p>
         </p:txBody>
@@ -13862,23 +13245,15 @@
           <a:lstStyle/>
           <a:p>
             <a:r>
-              <a:rPr kumimoji="1" lang="ja-JP" altLang="en-US" b="0" dirty="0" smtClean="0">
-                <a:solidFill>
-                  <a:srgbClr val="44C404"/>
-                </a:solidFill>
-                <a:latin typeface="ヒラギノ角ゴ Pro W6"/>
-                <a:ea typeface="ヒラギノ角ゴ Pro W6"/>
-                <a:cs typeface="ヒラギノ角ゴ Pro W6"/>
+              <a:rPr kumimoji="1" lang="ja-JP" altLang="en-US" dirty="0" smtClean="0">
+                <a:latin typeface="+mn-lt"/>
+                <a:ea typeface="+mj-ea"/>
               </a:rPr>
               <a:t>開発者として</a:t>
             </a:r>
-            <a:endParaRPr kumimoji="1" lang="ja-JP" altLang="en-US" b="0" dirty="0">
-              <a:solidFill>
-                <a:srgbClr val="44C404"/>
-              </a:solidFill>
-              <a:latin typeface="ヒラギノ角ゴ Pro W6"/>
-              <a:ea typeface="ヒラギノ角ゴ Pro W6"/>
-              <a:cs typeface="ヒラギノ角ゴ Pro W6"/>
+            <a:endParaRPr kumimoji="1" lang="ja-JP" altLang="en-US" dirty="0">
+              <a:latin typeface="+mn-lt"/>
+              <a:ea typeface="+mj-ea"/>
             </a:endParaRPr>
           </a:p>
         </p:txBody>
@@ -13967,75 +13342,21 @@
             <a:r>
               <a:rPr lang="ja-JP" altLang="en-US" sz="7200" b="0" dirty="0" smtClean="0">
                 <a:solidFill>
-                  <a:srgbClr val="44C404"/>
-                </a:solidFill>
-                <a:latin typeface="ヒラギノ角ゴ Pro W6"/>
-                <a:ea typeface="ヒラギノ角ゴ Pro W6"/>
-                <a:cs typeface="ヒラギノ角ゴ Pro W6"/>
-              </a:rPr>
-              <a:t>あなた</a:t>
-            </a:r>
-            <a:r>
-              <a:rPr lang="ja-JP" altLang="en-US" sz="7200" b="0" dirty="0" smtClean="0">
-                <a:solidFill>
-                  <a:srgbClr val="44C404"/>
-                </a:solidFill>
-                <a:latin typeface="ヒラギノ角ゴ Pro W6"/>
-                <a:ea typeface="ヒラギノ角ゴ Pro W6"/>
-                <a:cs typeface="ヒラギノ角ゴ Pro W6"/>
-              </a:rPr>
-              <a:t>の</a:t>
-            </a:r>
-            <a:r>
-              <a:rPr lang="ja-JP" altLang="en-US" sz="7200" b="0" dirty="0" smtClean="0">
-                <a:solidFill>
-                  <a:srgbClr val="44C404"/>
-                </a:solidFill>
-                <a:latin typeface="ヒラギノ角ゴ Pro W6"/>
-                <a:ea typeface="ヒラギノ角ゴ Pro W6"/>
-                <a:cs typeface="ヒラギノ角ゴ Pro W6"/>
-              </a:rPr>
-              <a:t>アイデアで</a:t>
-            </a:r>
-            <a:r>
-              <a:rPr lang="en-US" altLang="ja-JP" sz="7200" b="0" dirty="0" smtClean="0">
-                <a:solidFill>
-                  <a:srgbClr val="44C404"/>
-                </a:solidFill>
-                <a:latin typeface="ヒラギノ角ゴ Pro W6"/>
-                <a:ea typeface="ヒラギノ角ゴ Pro W6"/>
-                <a:cs typeface="ヒラギノ角ゴ Pro W6"/>
-              </a:rPr>
-              <a:t/>
-            </a:r>
-            <a:br>
-              <a:rPr lang="en-US" altLang="ja-JP" sz="7200" b="0" dirty="0" smtClean="0">
-                <a:solidFill>
-                  <a:srgbClr val="44C404"/>
-                </a:solidFill>
-                <a:latin typeface="ヒラギノ角ゴ Pro W6"/>
-                <a:ea typeface="ヒラギノ角ゴ Pro W6"/>
-                <a:cs typeface="ヒラギノ角ゴ Pro W6"/>
-              </a:rPr>
-            </a:br>
-            <a:r>
-              <a:rPr lang="ja-JP" altLang="en-US" sz="7200" b="0" dirty="0" smtClean="0">
-                <a:solidFill>
-                  <a:srgbClr val="44C404"/>
-                </a:solidFill>
-                <a:latin typeface="ヒラギノ角ゴ Pro W6"/>
-                <a:ea typeface="ヒラギノ角ゴ Pro W6"/>
-                <a:cs typeface="ヒラギノ角ゴ Pro W6"/>
-              </a:rPr>
-              <a:t>改善の一手を！</a:t>
+                  <a:srgbClr val="BF0000"/>
+                </a:solidFill>
+                <a:latin typeface="+mn-ea"/>
+                <a:ea typeface="+mn-ea"/>
+                <a:cs typeface="ＭＳ 明朝"/>
+              </a:rPr>
+              <a:t>あなたのメトリクスをあなたの手で！</a:t>
             </a:r>
             <a:endParaRPr lang="en-US" altLang="ja-JP" sz="7200" b="0" dirty="0" smtClean="0">
               <a:solidFill>
-                <a:srgbClr val="44C404"/>
+                <a:srgbClr val="BF0000"/>
               </a:solidFill>
-              <a:latin typeface="ヒラギノ角ゴ Pro W6"/>
-              <a:ea typeface="ヒラギノ角ゴ Pro W6"/>
-              <a:cs typeface="ヒラギノ角ゴ Pro W6"/>
+              <a:latin typeface="+mn-ea"/>
+              <a:ea typeface="+mn-ea"/>
+              <a:cs typeface="ＭＳ 明朝"/>
             </a:endParaRPr>
           </a:p>
         </p:txBody>
@@ -14122,117 +13443,74 @@
             <a:r>
               <a:rPr lang="ja-JP" altLang="en-US" sz="7200" b="0" dirty="0" smtClean="0">
                 <a:solidFill>
-                  <a:srgbClr val="7F7F7F"/>
-                </a:solidFill>
-                <a:latin typeface="ヒラギノ角ゴ Pro W6"/>
-                <a:ea typeface="ヒラギノ角ゴ Pro W6"/>
-                <a:cs typeface="ヒラギノ角ゴ Pro W6"/>
-              </a:rPr>
-              <a:t>状況</a:t>
-            </a:r>
-            <a:r>
-              <a:rPr lang="ja-JP" altLang="en-US" sz="7200" b="0" dirty="0" smtClean="0">
-                <a:solidFill>
-                  <a:srgbClr val="7F7F7F"/>
-                </a:solidFill>
-                <a:latin typeface="ヒラギノ角ゴ Pro W6"/>
-                <a:ea typeface="ヒラギノ角ゴ Pro W6"/>
-                <a:cs typeface="ヒラギノ角ゴ Pro W6"/>
-              </a:rPr>
-              <a:t>が</a:t>
+                  <a:srgbClr val="000000"/>
+                </a:solidFill>
+                <a:latin typeface="+mn-ea"/>
+                <a:ea typeface="+mn-ea"/>
+                <a:cs typeface="ＭＳ 明朝"/>
+              </a:rPr>
+              <a:t>状況が見えないことを</a:t>
             </a:r>
             <a:endParaRPr lang="en-US" altLang="ja-JP" sz="7200" b="0" dirty="0" smtClean="0">
               <a:solidFill>
-                <a:srgbClr val="7F7F7F"/>
+                <a:srgbClr val="000000"/>
               </a:solidFill>
-              <a:latin typeface="ヒラギノ角ゴ Pro W6"/>
-              <a:ea typeface="ヒラギノ角ゴ Pro W6"/>
-              <a:cs typeface="ヒラギノ角ゴ Pro W6"/>
-            </a:endParaRPr>
-          </a:p>
-          <a:p>
+              <a:latin typeface="+mn-ea"/>
+              <a:ea typeface="+mn-ea"/>
+              <a:cs typeface="ＭＳ 明朝"/>
+            </a:endParaRPr>
+          </a:p>
+          <a:p>
+            <a:r>
+              <a:rPr lang="ja-JP" altLang="en-US" sz="7200" dirty="0" smtClean="0">
+                <a:solidFill>
+                  <a:srgbClr val="BF0000"/>
+                </a:solidFill>
+                <a:latin typeface="+mn-ea"/>
+                <a:ea typeface="+mn-ea"/>
+                <a:cs typeface="ＭＳ 明朝"/>
+              </a:rPr>
+              <a:t>他人のせい</a:t>
+            </a:r>
             <a:r>
               <a:rPr lang="ja-JP" altLang="en-US" sz="7200" b="0" dirty="0" smtClean="0">
                 <a:solidFill>
-                  <a:srgbClr val="7F7F7F"/>
-                </a:solidFill>
-                <a:latin typeface="ヒラギノ角ゴ Pro W6"/>
-                <a:ea typeface="ヒラギノ角ゴ Pro W6"/>
-                <a:cs typeface="ヒラギノ角ゴ Pro W6"/>
-              </a:rPr>
-              <a:t>見えない</a:t>
-            </a:r>
-            <a:r>
-              <a:rPr lang="ja-JP" altLang="en-US" sz="7200" b="0" dirty="0" smtClean="0">
-                <a:solidFill>
-                  <a:srgbClr val="7F7F7F"/>
-                </a:solidFill>
-                <a:latin typeface="ヒラギノ角ゴ Pro W6"/>
-                <a:ea typeface="ヒラギノ角ゴ Pro W6"/>
-                <a:cs typeface="ヒラギノ角ゴ Pro W6"/>
-              </a:rPr>
-              <a:t>ことを</a:t>
+                  <a:srgbClr val="000000"/>
+                </a:solidFill>
+                <a:latin typeface="+mn-ea"/>
+                <a:ea typeface="+mn-ea"/>
+                <a:cs typeface="ＭＳ 明朝"/>
+              </a:rPr>
+              <a:t>にして</a:t>
             </a:r>
             <a:endParaRPr lang="en-US" altLang="ja-JP" sz="7200" b="0" dirty="0" smtClean="0">
               <a:solidFill>
-                <a:srgbClr val="7F7F7F"/>
+                <a:srgbClr val="000000"/>
               </a:solidFill>
-              <a:latin typeface="ヒラギノ角ゴ Pro W6"/>
-              <a:ea typeface="ヒラギノ角ゴ Pro W6"/>
-              <a:cs typeface="ヒラギノ角ゴ Pro W6"/>
+              <a:latin typeface="+mn-ea"/>
+              <a:ea typeface="+mn-ea"/>
+              <a:cs typeface="ＭＳ 明朝"/>
             </a:endParaRPr>
           </a:p>
           <a:p>
             <a:r>
               <a:rPr lang="ja-JP" altLang="en-US" sz="7200" b="0" dirty="0" smtClean="0">
                 <a:solidFill>
-                  <a:srgbClr val="FF0000"/>
-                </a:solidFill>
-                <a:latin typeface="ヒラギノ角ゴ Pro W6"/>
-                <a:ea typeface="ヒラギノ角ゴ Pro W6"/>
-                <a:cs typeface="ヒラギノ角ゴ Pro W6"/>
-              </a:rPr>
-              <a:t>他人のせい</a:t>
-            </a:r>
-            <a:r>
-              <a:rPr lang="ja-JP" altLang="en-US" sz="7200" b="0" dirty="0" smtClean="0">
-                <a:solidFill>
-                  <a:srgbClr val="7F7F7F"/>
-                </a:solidFill>
-                <a:latin typeface="ヒラギノ角ゴ Pro W6"/>
-                <a:ea typeface="ヒラギノ角ゴ Pro W6"/>
-                <a:cs typeface="ヒラギノ角ゴ Pro W6"/>
-              </a:rPr>
-              <a:t>にして</a:t>
+                  <a:srgbClr val="000000"/>
+                </a:solidFill>
+                <a:latin typeface="+mn-ea"/>
+                <a:ea typeface="+mn-ea"/>
+                <a:cs typeface="ＭＳ 明朝"/>
+              </a:rPr>
+              <a:t>いませんか？</a:t>
             </a:r>
             <a:endParaRPr lang="en-US" altLang="ja-JP" sz="7200" b="0" dirty="0" smtClean="0">
               <a:solidFill>
-                <a:srgbClr val="7F7F7F"/>
+                <a:srgbClr val="000000"/>
               </a:solidFill>
-              <a:latin typeface="ヒラギノ角ゴ Pro W6"/>
-              <a:ea typeface="ヒラギノ角ゴ Pro W6"/>
-              <a:cs typeface="ヒラギノ角ゴ Pro W6"/>
-            </a:endParaRPr>
-          </a:p>
-          <a:p>
-            <a:r>
-              <a:rPr lang="ja-JP" altLang="en-US" sz="7200" b="0" dirty="0" smtClean="0">
-                <a:solidFill>
-                  <a:srgbClr val="7F7F7F"/>
-                </a:solidFill>
-                <a:latin typeface="ヒラギノ角ゴ Pro W6"/>
-                <a:ea typeface="ヒラギノ角ゴ Pro W6"/>
-                <a:cs typeface="ヒラギノ角ゴ Pro W6"/>
-              </a:rPr>
-              <a:t>いませんか？</a:t>
-            </a:r>
-            <a:endParaRPr lang="en-US" altLang="ja-JP" sz="7200" b="0" dirty="0" smtClean="0">
-              <a:solidFill>
-                <a:srgbClr val="7F7F7F"/>
-              </a:solidFill>
-              <a:latin typeface="ヒラギノ角ゴ Pro W6"/>
-              <a:ea typeface="ヒラギノ角ゴ Pro W6"/>
-              <a:cs typeface="ヒラギノ角ゴ Pro W6"/>
+              <a:latin typeface="+mn-ea"/>
+              <a:ea typeface="+mn-ea"/>
+              <a:cs typeface="ＭＳ 明朝"/>
             </a:endParaRPr>
           </a:p>
         </p:txBody>
@@ -14319,102 +13597,74 @@
             <a:r>
               <a:rPr lang="ja-JP" altLang="en-US" sz="7200" b="0" dirty="0" smtClean="0">
                 <a:solidFill>
-                  <a:schemeClr val="bg1">
-                    <a:lumMod val="50000"/>
-                  </a:schemeClr>
-                </a:solidFill>
-                <a:latin typeface="ヒラギノ角ゴ Pro W6"/>
-                <a:ea typeface="ヒラギノ角ゴ Pro W6"/>
-                <a:cs typeface="ヒラギノ角ゴ Pro W6"/>
-              </a:rPr>
-              <a:t>状況把握</a:t>
-            </a:r>
-            <a:r>
-              <a:rPr lang="ja-JP" altLang="en-US" sz="7200" b="0" dirty="0" smtClean="0">
-                <a:solidFill>
-                  <a:schemeClr val="bg1">
-                    <a:lumMod val="50000"/>
-                  </a:schemeClr>
-                </a:solidFill>
-                <a:latin typeface="ヒラギノ角ゴ Pro W6"/>
-                <a:ea typeface="ヒラギノ角ゴ Pro W6"/>
-                <a:cs typeface="ヒラギノ角ゴ Pro W6"/>
-              </a:rPr>
-              <a:t>は</a:t>
+                  <a:srgbClr val="000000"/>
+                </a:solidFill>
+                <a:latin typeface="+mn-ea"/>
+                <a:ea typeface="+mn-ea"/>
+                <a:cs typeface="ＭＳ 明朝"/>
+              </a:rPr>
+              <a:t>状況把握は、</a:t>
             </a:r>
             <a:endParaRPr lang="en-US" altLang="ja-JP" sz="7200" b="0" dirty="0" smtClean="0">
               <a:solidFill>
-                <a:schemeClr val="bg1">
-                  <a:lumMod val="50000"/>
-                </a:schemeClr>
+                <a:srgbClr val="000000"/>
               </a:solidFill>
-              <a:latin typeface="ヒラギノ角ゴ Pro W6"/>
-              <a:ea typeface="ヒラギノ角ゴ Pro W6"/>
-              <a:cs typeface="ヒラギノ角ゴ Pro W6"/>
-            </a:endParaRPr>
-          </a:p>
-          <a:p>
+              <a:latin typeface="+mn-ea"/>
+              <a:ea typeface="+mn-ea"/>
+              <a:cs typeface="ＭＳ 明朝"/>
+            </a:endParaRPr>
+          </a:p>
+          <a:p>
+            <a:r>
+              <a:rPr lang="ja-JP" altLang="en-US" sz="7200" dirty="0" smtClean="0">
+                <a:solidFill>
+                  <a:srgbClr val="BF0000"/>
+                </a:solidFill>
+                <a:latin typeface="+mn-ea"/>
+                <a:ea typeface="+mn-ea"/>
+                <a:cs typeface="ＭＳ 明朝"/>
+              </a:rPr>
+              <a:t>チーム全員</a:t>
+            </a:r>
             <a:r>
               <a:rPr lang="ja-JP" altLang="en-US" sz="7200" b="0" dirty="0" smtClean="0">
                 <a:solidFill>
-                  <a:srgbClr val="44C404"/>
-                </a:solidFill>
-                <a:latin typeface="ヒラギノ角ゴ Pro W6"/>
-                <a:ea typeface="ヒラギノ角ゴ Pro W6"/>
-                <a:cs typeface="ヒラギノ角ゴ Pro W6"/>
-              </a:rPr>
-              <a:t>チーム全員</a:t>
-            </a:r>
-            <a:r>
-              <a:rPr lang="ja-JP" altLang="en-US" sz="7200" b="0" dirty="0" smtClean="0">
-                <a:solidFill>
-                  <a:srgbClr val="7F7F7F"/>
-                </a:solidFill>
-                <a:latin typeface="ヒラギノ角ゴ Pro W6"/>
-                <a:ea typeface="ヒラギノ角ゴ Pro W6"/>
-                <a:cs typeface="ヒラギノ角ゴ Pro W6"/>
+                  <a:srgbClr val="000000"/>
+                </a:solidFill>
+                <a:latin typeface="+mn-ea"/>
+                <a:ea typeface="+mn-ea"/>
+                <a:cs typeface="ＭＳ 明朝"/>
               </a:rPr>
               <a:t>の</a:t>
             </a:r>
             <a:endParaRPr lang="en-US" altLang="ja-JP" sz="7200" b="0" dirty="0" smtClean="0">
               <a:solidFill>
-                <a:srgbClr val="7F7F7F"/>
+                <a:srgbClr val="000000"/>
               </a:solidFill>
-              <a:latin typeface="ヒラギノ角ゴ Pro W6"/>
-              <a:ea typeface="ヒラギノ角ゴ Pro W6"/>
-              <a:cs typeface="ヒラギノ角ゴ Pro W6"/>
+              <a:latin typeface="+mn-ea"/>
+              <a:ea typeface="+mn-ea"/>
+              <a:cs typeface="ＭＳ 明朝"/>
             </a:endParaRPr>
           </a:p>
           <a:p>
             <a:r>
               <a:rPr lang="ja-JP" altLang="en-US" sz="7200" b="0" dirty="0" smtClean="0">
                 <a:solidFill>
-                  <a:srgbClr val="7F7F7F"/>
-                </a:solidFill>
-                <a:latin typeface="ヒラギノ角ゴ Pro W6"/>
-                <a:ea typeface="ヒラギノ角ゴ Pro W6"/>
-                <a:cs typeface="ヒラギノ角ゴ Pro W6"/>
-              </a:rPr>
-              <a:t>責務</a:t>
-            </a:r>
-            <a:r>
-              <a:rPr lang="ja-JP" altLang="en-US" sz="7200" b="0" dirty="0" smtClean="0">
-                <a:solidFill>
-                  <a:srgbClr val="7F7F7F"/>
-                </a:solidFill>
-                <a:latin typeface="ヒラギノ角ゴ Pro W6"/>
-                <a:ea typeface="ヒラギノ角ゴ Pro W6"/>
-                <a:cs typeface="ヒラギノ角ゴ Pro W6"/>
-              </a:rPr>
-              <a:t>です</a:t>
+                  <a:srgbClr val="000000"/>
+                </a:solidFill>
+                <a:latin typeface="+mn-ea"/>
+                <a:ea typeface="+mn-ea"/>
+                <a:cs typeface="ＭＳ 明朝"/>
+              </a:rPr>
+              <a:t>責務です。</a:t>
             </a:r>
             <a:endParaRPr lang="en-US" altLang="ja-JP" sz="7200" b="0" dirty="0" smtClean="0">
               <a:solidFill>
-                <a:srgbClr val="7F7F7F"/>
+                <a:srgbClr val="000000"/>
               </a:solidFill>
-              <a:latin typeface="ヒラギノ角ゴ Pro W6"/>
-              <a:ea typeface="ヒラギノ角ゴ Pro W6"/>
-              <a:cs typeface="ヒラギノ角ゴ Pro W6"/>
+              <a:latin typeface="+mn-ea"/>
+              <a:ea typeface="+mn-ea"/>
+              <a:cs typeface="ＭＳ 明朝"/>
             </a:endParaRPr>
           </a:p>
         </p:txBody>
@@ -14501,116 +13751,95 @@
             <a:r>
               <a:rPr lang="ja-JP" altLang="en-US" sz="7200" b="0" dirty="0" smtClean="0">
                 <a:solidFill>
-                  <a:schemeClr val="bg1">
-                    <a:lumMod val="50000"/>
-                  </a:schemeClr>
-                </a:solidFill>
-                <a:latin typeface="ヒラギノ角ゴ Pro W6"/>
-                <a:ea typeface="ヒラギノ角ゴ Pro W6"/>
-                <a:cs typeface="ヒラギノ角ゴ Pro W6"/>
+                  <a:srgbClr val="000000"/>
+                </a:solidFill>
+                <a:latin typeface="+mn-ea"/>
+                <a:ea typeface="+mn-ea"/>
+                <a:cs typeface="ＭＳ 明朝"/>
               </a:rPr>
               <a:t>メトリクスの</a:t>
             </a:r>
             <a:endParaRPr lang="en-US" altLang="ja-JP" sz="7200" b="0" dirty="0" smtClean="0">
               <a:solidFill>
-                <a:schemeClr val="bg1">
-                  <a:lumMod val="50000"/>
-                </a:schemeClr>
+                <a:srgbClr val="000000"/>
               </a:solidFill>
-              <a:latin typeface="ヒラギノ角ゴ Pro W6"/>
-              <a:ea typeface="ヒラギノ角ゴ Pro W6"/>
-              <a:cs typeface="ヒラギノ角ゴ Pro W6"/>
+              <a:latin typeface="+mn-ea"/>
+              <a:ea typeface="+mn-ea"/>
+              <a:cs typeface="ＭＳ 明朝"/>
             </a:endParaRPr>
           </a:p>
           <a:p>
             <a:r>
               <a:rPr lang="ja-JP" altLang="en-US" sz="7200" b="0" dirty="0" smtClean="0">
                 <a:solidFill>
-                  <a:schemeClr val="bg1">
-                    <a:lumMod val="50000"/>
-                  </a:schemeClr>
-                </a:solidFill>
-                <a:latin typeface="ヒラギノ角ゴ Pro W6"/>
-                <a:ea typeface="ヒラギノ角ゴ Pro W6"/>
-                <a:cs typeface="ヒラギノ角ゴ Pro W6"/>
+                  <a:srgbClr val="000000"/>
+                </a:solidFill>
+                <a:latin typeface="+mn-ea"/>
+                <a:ea typeface="+mn-ea"/>
+                <a:cs typeface="ＭＳ 明朝"/>
               </a:rPr>
               <a:t>工夫や活用で、</a:t>
             </a:r>
             <a:endParaRPr lang="en-US" altLang="ja-JP" sz="7200" b="0" dirty="0" smtClean="0">
               <a:solidFill>
-                <a:schemeClr val="bg1">
-                  <a:lumMod val="50000"/>
-                </a:schemeClr>
+                <a:srgbClr val="000000"/>
               </a:solidFill>
-              <a:latin typeface="ヒラギノ角ゴ Pro W6"/>
-              <a:ea typeface="ヒラギノ角ゴ Pro W6"/>
-              <a:cs typeface="ヒラギノ角ゴ Pro W6"/>
+              <a:latin typeface="+mn-ea"/>
+              <a:ea typeface="+mn-ea"/>
+              <a:cs typeface="ＭＳ 明朝"/>
             </a:endParaRPr>
           </a:p>
           <a:p>
             <a:r>
               <a:rPr lang="ja-JP" altLang="en-US" sz="7200" b="0" dirty="0" smtClean="0">
                 <a:solidFill>
-                  <a:schemeClr val="bg1">
-                    <a:lumMod val="50000"/>
-                  </a:schemeClr>
-                </a:solidFill>
-                <a:latin typeface="ヒラギノ角ゴ Pro W6"/>
-                <a:ea typeface="ヒラギノ角ゴ Pro W6"/>
-                <a:cs typeface="ヒラギノ角ゴ Pro W6"/>
+                  <a:srgbClr val="000000"/>
+                </a:solidFill>
+                <a:latin typeface="+mn-ea"/>
+                <a:ea typeface="+mn-ea"/>
+                <a:cs typeface="ＭＳ 明朝"/>
               </a:rPr>
               <a:t>状況を</a:t>
             </a:r>
             <a:r>
+              <a:rPr lang="ja-JP" altLang="en-US" sz="7200" dirty="0" smtClean="0">
+                <a:solidFill>
+                  <a:srgbClr val="BF0000"/>
+                </a:solidFill>
+                <a:latin typeface="+mn-ea"/>
+                <a:ea typeface="+mn-ea"/>
+                <a:cs typeface="ＭＳ 明朝"/>
+              </a:rPr>
+              <a:t>「見える化」</a:t>
+            </a:r>
+            <a:endParaRPr lang="en-US" altLang="ja-JP" sz="7200" dirty="0" smtClean="0">
+              <a:solidFill>
+                <a:srgbClr val="BF0000"/>
+              </a:solidFill>
+              <a:latin typeface="+mn-ea"/>
+              <a:ea typeface="+mn-ea"/>
+              <a:cs typeface="ＭＳ 明朝"/>
+            </a:endParaRPr>
+          </a:p>
+          <a:p>
+            <a:r>
               <a:rPr lang="ja-JP" altLang="en-US" sz="7200" b="0" dirty="0" smtClean="0">
                 <a:solidFill>
-                  <a:srgbClr val="44C404"/>
-                </a:solidFill>
-                <a:latin typeface="ヒラギノ角ゴ Pro W6"/>
-                <a:ea typeface="ヒラギノ角ゴ Pro W6"/>
-                <a:cs typeface="ヒラギノ角ゴ Pro W6"/>
-              </a:rPr>
-              <a:t>「見える化」</a:t>
-            </a:r>
-            <a:endParaRPr lang="en-US" altLang="ja-JP" sz="7200" b="0" dirty="0" smtClean="0">
-              <a:solidFill>
-                <a:srgbClr val="44C404"/>
-              </a:solidFill>
-              <a:latin typeface="ヒラギノ角ゴ Pro W6"/>
-              <a:ea typeface="ヒラギノ角ゴ Pro W6"/>
-              <a:cs typeface="ヒラギノ角ゴ Pro W6"/>
-            </a:endParaRPr>
-          </a:p>
-          <a:p>
-            <a:r>
-              <a:rPr lang="ja-JP" altLang="en-US" sz="7200" b="0" dirty="0" smtClean="0">
-                <a:solidFill>
-                  <a:srgbClr val="7F7F7F"/>
-                </a:solidFill>
-                <a:latin typeface="ヒラギノ角ゴ Pro W6"/>
-                <a:ea typeface="ヒラギノ角ゴ Pro W6"/>
-                <a:cs typeface="ヒラギノ角ゴ Pro W6"/>
-              </a:rPr>
-              <a:t>して</a:t>
-            </a:r>
-            <a:r>
-              <a:rPr lang="ja-JP" altLang="en-US" sz="7200" b="0" dirty="0" smtClean="0">
-                <a:solidFill>
-                  <a:srgbClr val="7F7F7F"/>
-                </a:solidFill>
-                <a:latin typeface="ヒラギノ角ゴ Pro W6"/>
-                <a:ea typeface="ヒラギノ角ゴ Pro W6"/>
-                <a:cs typeface="ヒラギノ角ゴ Pro W6"/>
-              </a:rPr>
-              <a:t>みよう</a:t>
+                  <a:srgbClr val="000000"/>
+                </a:solidFill>
+                <a:latin typeface="+mn-ea"/>
+                <a:ea typeface="+mn-ea"/>
+                <a:cs typeface="ＭＳ 明朝"/>
+              </a:rPr>
+              <a:t>してみよう。</a:t>
             </a:r>
             <a:endParaRPr lang="en-US" altLang="ja-JP" sz="7200" b="0" dirty="0">
               <a:solidFill>
-                <a:srgbClr val="7F7F7F"/>
+                <a:srgbClr val="000000"/>
               </a:solidFill>
-              <a:latin typeface="ヒラギノ角ゴ Pro W6"/>
-              <a:ea typeface="ヒラギノ角ゴ Pro W6"/>
-              <a:cs typeface="ヒラギノ角ゴ Pro W6"/>
+              <a:latin typeface="+mn-ea"/>
+              <a:ea typeface="+mn-ea"/>
+              <a:cs typeface="ＭＳ 明朝"/>
             </a:endParaRPr>
           </a:p>
         </p:txBody>
@@ -14642,23 +13871,15 @@
           <a:lstStyle/>
           <a:p>
             <a:r>
-              <a:rPr lang="ja-JP" altLang="en-US" b="0" kern="0" dirty="0" smtClean="0">
-                <a:solidFill>
-                  <a:srgbClr val="44C404"/>
-                </a:solidFill>
-                <a:latin typeface="ヒラギノ角ゴ Pro W6"/>
-                <a:ea typeface="ヒラギノ角ゴ Pro W6"/>
-                <a:cs typeface="ヒラギノ角ゴ Pro W6"/>
+              <a:rPr lang="ja-JP" altLang="en-US" kern="0" dirty="0" smtClean="0">
+                <a:latin typeface="+mj-lt"/>
+                <a:ea typeface="+mj-ea"/>
               </a:rPr>
               <a:t>本日のお題</a:t>
             </a:r>
-            <a:endParaRPr kumimoji="1" lang="ja-JP" altLang="en-US" b="0" dirty="0">
-              <a:solidFill>
-                <a:srgbClr val="44C404"/>
-              </a:solidFill>
-              <a:latin typeface="ヒラギノ角ゴ Pro W6"/>
-              <a:ea typeface="ヒラギノ角ゴ Pro W6"/>
-              <a:cs typeface="ヒラギノ角ゴ Pro W6"/>
+            <a:endParaRPr kumimoji="1" lang="ja-JP" altLang="en-US" dirty="0">
+              <a:latin typeface="+mj-lt"/>
+              <a:ea typeface="+mj-ea"/>
             </a:endParaRPr>
           </a:p>
         </p:txBody>
@@ -15151,7 +14372,7 @@
     </p:spTree>
     <p:extLst>
       <p:ext uri="{BB962C8B-B14F-4D97-AF65-F5344CB8AC3E}">
-        <p14:creationId xmlns:p14="http://schemas.microsoft.com/office/powerpoint/2010/main" val="2084372729"/>
+        <p14:creationId xmlns:p14="http://schemas.microsoft.com/office/powerpoint/2010/main" val="3945177027"/>
       </p:ext>
     </p:extLst>
   </p:cSld>
@@ -15232,74 +14453,74 @@
             <a:r>
               <a:rPr lang="ja-JP" altLang="en-US" sz="7200" b="0" dirty="0" smtClean="0">
                 <a:solidFill>
-                  <a:srgbClr val="7F7F7F"/>
-                </a:solidFill>
-                <a:latin typeface="ヒラギノ角ゴ Pro W6"/>
-                <a:ea typeface="ヒラギノ角ゴ Pro W6"/>
-                <a:cs typeface="ヒラギノ角ゴ Pro W6"/>
+                  <a:srgbClr val="000000"/>
+                </a:solidFill>
+                <a:latin typeface="+mn-ea"/>
+                <a:ea typeface="+mn-ea"/>
+                <a:cs typeface="ＭＳ 明朝"/>
               </a:rPr>
               <a:t>我がチームでの</a:t>
             </a:r>
             <a:endParaRPr lang="en-US" altLang="ja-JP" sz="7200" b="0" dirty="0" smtClean="0">
               <a:solidFill>
-                <a:srgbClr val="7F7F7F"/>
+                <a:srgbClr val="000000"/>
               </a:solidFill>
-              <a:latin typeface="ヒラギノ角ゴ Pro W6"/>
-              <a:ea typeface="ヒラギノ角ゴ Pro W6"/>
-              <a:cs typeface="ヒラギノ角ゴ Pro W6"/>
-            </a:endParaRPr>
-          </a:p>
-          <a:p>
+              <a:latin typeface="+mn-ea"/>
+              <a:ea typeface="+mn-ea"/>
+              <a:cs typeface="ＭＳ 明朝"/>
+            </a:endParaRPr>
+          </a:p>
+          <a:p>
+            <a:r>
+              <a:rPr lang="ja-JP" altLang="en-US" sz="7200" dirty="0" smtClean="0">
+                <a:solidFill>
+                  <a:srgbClr val="BF0000"/>
+                </a:solidFill>
+                <a:latin typeface="+mn-ea"/>
+                <a:ea typeface="+mn-ea"/>
+                <a:cs typeface="ＭＳ 明朝"/>
+              </a:rPr>
+              <a:t>臨床実験</a:t>
+            </a:r>
             <a:r>
               <a:rPr lang="ja-JP" altLang="en-US" sz="7200" b="0" dirty="0" smtClean="0">
                 <a:solidFill>
-                  <a:srgbClr val="44C404"/>
-                </a:solidFill>
-                <a:latin typeface="ヒラギノ角ゴ Pro W6"/>
-                <a:ea typeface="ヒラギノ角ゴ Pro W6"/>
-                <a:cs typeface="ヒラギノ角ゴ Pro W6"/>
-              </a:rPr>
-              <a:t>臨床実験</a:t>
-            </a:r>
-            <a:r>
-              <a:rPr lang="ja-JP" altLang="en-US" sz="7200" b="0" dirty="0" smtClean="0">
-                <a:solidFill>
-                  <a:srgbClr val="7F7F7F"/>
-                </a:solidFill>
-                <a:latin typeface="ヒラギノ角ゴ Pro W6"/>
-                <a:ea typeface="ヒラギノ角ゴ Pro W6"/>
-                <a:cs typeface="ヒラギノ角ゴ Pro W6"/>
+                  <a:srgbClr val="000000"/>
+                </a:solidFill>
+                <a:latin typeface="+mn-ea"/>
+                <a:ea typeface="+mn-ea"/>
+                <a:cs typeface="ＭＳ 明朝"/>
               </a:rPr>
               <a:t>報告</a:t>
             </a:r>
             <a:endParaRPr lang="en-US" altLang="ja-JP" sz="7200" b="0" dirty="0" smtClean="0">
               <a:solidFill>
-                <a:srgbClr val="7F7F7F"/>
+                <a:srgbClr val="000000"/>
               </a:solidFill>
-              <a:latin typeface="ヒラギノ角ゴ Pro W6"/>
-              <a:ea typeface="ヒラギノ角ゴ Pro W6"/>
-              <a:cs typeface="ヒラギノ角ゴ Pro W6"/>
+              <a:latin typeface="+mn-ea"/>
+              <a:ea typeface="+mn-ea"/>
+              <a:cs typeface="ＭＳ 明朝"/>
             </a:endParaRPr>
           </a:p>
           <a:p>
             <a:r>
               <a:rPr lang="ja-JP" altLang="en-US" sz="7200" b="0" dirty="0" smtClean="0">
                 <a:solidFill>
-                  <a:srgbClr val="7F7F7F"/>
-                </a:solidFill>
-                <a:latin typeface="ヒラギノ角ゴ Pro W6"/>
-                <a:ea typeface="ヒラギノ角ゴ Pro W6"/>
-                <a:cs typeface="ヒラギノ角ゴ Pro W6"/>
+                  <a:srgbClr val="000000"/>
+                </a:solidFill>
+                <a:latin typeface="+mn-ea"/>
+                <a:ea typeface="+mn-ea"/>
+                <a:cs typeface="ＭＳ 明朝"/>
               </a:rPr>
               <a:t>（２０１４年２月）</a:t>
             </a:r>
             <a:endParaRPr lang="en-US" altLang="ja-JP" sz="7200" b="0" dirty="0" smtClean="0">
               <a:solidFill>
-                <a:srgbClr val="7F7F7F"/>
+                <a:srgbClr val="000000"/>
               </a:solidFill>
-              <a:latin typeface="ヒラギノ角ゴ Pro W6"/>
-              <a:ea typeface="ヒラギノ角ゴ Pro W6"/>
-              <a:cs typeface="ヒラギノ角ゴ Pro W6"/>
+              <a:latin typeface="+mn-ea"/>
+              <a:ea typeface="+mn-ea"/>
+              <a:cs typeface="ＭＳ 明朝"/>
             </a:endParaRPr>
           </a:p>
         </p:txBody>
